--- a/micro-bit-workshop-abbreviated.pptx
+++ b/micro-bit-workshop-abbreviated.pptx
@@ -5,18 +5,14 @@
     <p:sldMasterId id="2147483648" r:id="rId1"/>
   </p:sldMasterIdLst>
   <p:notesMasterIdLst>
-    <p:notesMasterId r:id="rId11"/>
+    <p:notesMasterId r:id="rId7"/>
   </p:notesMasterIdLst>
   <p:sldIdLst>
     <p:sldId id="257" r:id="rId2"/>
     <p:sldId id="259" r:id="rId3"/>
-    <p:sldId id="262" r:id="rId4"/>
-    <p:sldId id="261" r:id="rId5"/>
-    <p:sldId id="260" r:id="rId6"/>
-    <p:sldId id="263" r:id="rId7"/>
-    <p:sldId id="264" r:id="rId8"/>
-    <p:sldId id="266" r:id="rId9"/>
-    <p:sldId id="267" r:id="rId10"/>
+    <p:sldId id="260" r:id="rId4"/>
+    <p:sldId id="263" r:id="rId5"/>
+    <p:sldId id="266" r:id="rId6"/>
   </p:sldIdLst>
   <p:sldSz cx="12192000" cy="6858000"/>
   <p:notesSz cx="6858000" cy="9144000"/>
@@ -205,7 +201,7 @@
           <a:p>
             <a:fld id="{7765F29E-FC16-4FA8-9E6F-2AB205AC0281}" type="datetimeFigureOut">
               <a:rPr lang="en-US" smtClean="0"/>
-              <a:t>3/14/18</a:t>
+              <a:t>3/22/18</a:t>
             </a:fld>
             <a:endParaRPr lang="en-US"/>
           </a:p>
@@ -796,7 +792,289 @@
           <a:bodyPr/>
           <a:lstStyle/>
           <a:p>
-            <a:endParaRPr lang="en-US"/>
+            <a:r>
+              <a:rPr lang="en-US" dirty="0"/>
+              <a:t>Front:</a:t>
+            </a:r>
+          </a:p>
+          <a:p>
+            <a:endParaRPr lang="en-US" dirty="0"/>
+          </a:p>
+          <a:p>
+            <a:pPr marL="0" marR="0" lvl="0" indent="0" algn="l" defTabSz="914400" rtl="0" eaLnBrk="1" fontAlgn="auto" latinLnBrk="0" hangingPunct="1">
+              <a:lnSpc>
+                <a:spcPct val="100000"/>
+              </a:lnSpc>
+              <a:spcBef>
+                <a:spcPts val="0"/>
+              </a:spcBef>
+              <a:spcAft>
+                <a:spcPts val="0"/>
+              </a:spcAft>
+              <a:buClrTx/>
+              <a:buSzTx/>
+              <a:buFontTx/>
+              <a:buNone/>
+              <a:tabLst/>
+              <a:defRPr/>
+            </a:pPr>
+            <a:r>
+              <a:rPr lang="en-US" dirty="0"/>
+              <a:t>25 individual LED lights – Each light</a:t>
+            </a:r>
+            <a:r>
+              <a:rPr lang="en-US" baseline="0" dirty="0"/>
+              <a:t> is individually programmable so that you can write code that controls whether each light is off or on; you can create different patterns with the lights, to show numbers, letters, or shapes, as you already saw with the infection game.</a:t>
+            </a:r>
+            <a:endParaRPr lang="en-US" dirty="0"/>
+          </a:p>
+          <a:p>
+            <a:endParaRPr lang="en-US" dirty="0"/>
+          </a:p>
+          <a:p>
+            <a:pPr marL="0" marR="0" lvl="0" indent="0" algn="l" defTabSz="914400" rtl="0" eaLnBrk="1" fontAlgn="auto" latinLnBrk="0" hangingPunct="1">
+              <a:lnSpc>
+                <a:spcPct val="100000"/>
+              </a:lnSpc>
+              <a:spcBef>
+                <a:spcPts val="0"/>
+              </a:spcBef>
+              <a:spcAft>
+                <a:spcPts val="0"/>
+              </a:spcAft>
+              <a:buClrTx/>
+              <a:buSzTx/>
+              <a:buFontTx/>
+              <a:buNone/>
+              <a:tabLst/>
+              <a:defRPr/>
+            </a:pPr>
+            <a:r>
+              <a:rPr lang="en-US" dirty="0"/>
+              <a:t>2 programmable</a:t>
+            </a:r>
+            <a:r>
+              <a:rPr lang="en-US" baseline="0" dirty="0"/>
+              <a:t> buttons (A &amp; B) – This let’s you write code that causes the </a:t>
+            </a:r>
+            <a:r>
+              <a:rPr lang="en-US" baseline="0" dirty="0" err="1"/>
+              <a:t>microbit</a:t>
+            </a:r>
+            <a:r>
+              <a:rPr lang="en-US" baseline="0" dirty="0"/>
+              <a:t> to do something whenever a button is clicked.   For example, you could write code that turns on one of the LED lights each time the button is clicked.</a:t>
+            </a:r>
+          </a:p>
+          <a:p>
+            <a:r>
+              <a:rPr lang="en-US" dirty="0"/>
+              <a:t> </a:t>
+            </a:r>
+          </a:p>
+          <a:p>
+            <a:r>
+              <a:rPr lang="en-US" dirty="0"/>
+              <a:t>Back:</a:t>
+            </a:r>
+          </a:p>
+          <a:p>
+            <a:endParaRPr lang="en-US" dirty="0"/>
+          </a:p>
+          <a:p>
+            <a:r>
+              <a:rPr lang="en-US" baseline="0" dirty="0"/>
+              <a:t>1.) Two motion sensors:</a:t>
+            </a:r>
+          </a:p>
+          <a:p>
+            <a:endParaRPr lang="en-US" baseline="0" dirty="0"/>
+          </a:p>
+          <a:p>
+            <a:r>
+              <a:rPr lang="en-US" baseline="0" dirty="0"/>
+              <a:t>* Accelerometer – detects acceleration, such as when you tilt the </a:t>
+            </a:r>
+            <a:r>
+              <a:rPr lang="en-US" baseline="0" dirty="0" err="1"/>
+              <a:t>microbit</a:t>
+            </a:r>
+            <a:r>
+              <a:rPr lang="en-US" baseline="0" dirty="0"/>
+              <a:t> left\right, backward\forward and up and down.  For example, you could write code that does something when the </a:t>
+            </a:r>
+            <a:r>
+              <a:rPr lang="en-US" baseline="0" dirty="0" err="1"/>
+              <a:t>microbit</a:t>
+            </a:r>
+            <a:r>
+              <a:rPr lang="en-US" baseline="0" dirty="0"/>
+              <a:t> gets shook.</a:t>
+            </a:r>
+          </a:p>
+          <a:p>
+            <a:endParaRPr lang="en-US" baseline="0" dirty="0"/>
+          </a:p>
+          <a:p>
+            <a:pPr marL="171450" indent="-171450">
+              <a:buFont typeface="Arial" panose="020B0604020202020204" pitchFamily="34" charset="0"/>
+              <a:buChar char="•"/>
+            </a:pPr>
+            <a:r>
+              <a:rPr lang="en-US" baseline="0" dirty="0"/>
+              <a:t>Compass – measure magnetic field to gauge </a:t>
+            </a:r>
+            <a:r>
+              <a:rPr lang="en-US" baseline="0" dirty="0" err="1"/>
+              <a:t>gauge</a:t>
+            </a:r>
+            <a:r>
+              <a:rPr lang="en-US" baseline="0" dirty="0"/>
+              <a:t> position.  You could use this to create a digital compass.</a:t>
+            </a:r>
+          </a:p>
+          <a:p>
+            <a:pPr marL="171450" indent="-171450">
+              <a:buFont typeface="Arial" panose="020B0604020202020204" pitchFamily="34" charset="0"/>
+              <a:buChar char="•"/>
+            </a:pPr>
+            <a:endParaRPr lang="en-US" baseline="0" dirty="0"/>
+          </a:p>
+          <a:p>
+            <a:r>
+              <a:rPr lang="en-US" baseline="0" dirty="0"/>
+              <a:t>2.) Thermometer:</a:t>
+            </a:r>
+          </a:p>
+          <a:p>
+            <a:endParaRPr lang="en-US" baseline="0" dirty="0"/>
+          </a:p>
+          <a:p>
+            <a:r>
+              <a:rPr lang="en-US" baseline="0" dirty="0"/>
+              <a:t>Isn’t used to measure the exact room temperature, but instead measures the ambient temperature of the surrounding chip which gets warmer as you turn on and use it.  You could use this to gauge temperature differences and write code that does something in response – such as change the LED light pattern when a temperature change occurs.</a:t>
+            </a:r>
+          </a:p>
+          <a:p>
+            <a:endParaRPr lang="en-US" baseline="0" dirty="0"/>
+          </a:p>
+          <a:p>
+            <a:r>
+              <a:rPr lang="en-US" baseline="0" dirty="0"/>
+              <a:t>3.) Radio:</a:t>
+            </a:r>
+          </a:p>
+          <a:p>
+            <a:endParaRPr lang="en-US" baseline="0" dirty="0"/>
+          </a:p>
+          <a:p>
+            <a:r>
+              <a:rPr lang="en-US" baseline="0" dirty="0"/>
+              <a:t>The radio chip lets you send and receive messages between </a:t>
+            </a:r>
+            <a:r>
+              <a:rPr lang="en-US" baseline="0" dirty="0" err="1"/>
+              <a:t>microbits</a:t>
+            </a:r>
+            <a:r>
+              <a:rPr lang="en-US" baseline="0" dirty="0"/>
+              <a:t>.  This is what the infection game used to trigger an outbreak – each infected </a:t>
+            </a:r>
+            <a:r>
+              <a:rPr lang="en-US" baseline="0" dirty="0" err="1"/>
+              <a:t>microbit</a:t>
+            </a:r>
+            <a:r>
+              <a:rPr lang="en-US" baseline="0" dirty="0"/>
+              <a:t> would send messages to infect other </a:t>
+            </a:r>
+            <a:r>
+              <a:rPr lang="en-US" baseline="0" dirty="0" err="1"/>
+              <a:t>microbits</a:t>
+            </a:r>
+            <a:r>
+              <a:rPr lang="en-US" baseline="0" dirty="0"/>
+              <a:t> around it.</a:t>
+            </a:r>
+          </a:p>
+          <a:p>
+            <a:endParaRPr lang="en-US" baseline="0" dirty="0"/>
+          </a:p>
+          <a:p>
+            <a:r>
+              <a:rPr lang="en-US" baseline="0" dirty="0"/>
+              <a:t>4.) Reset button – let’s you restart the program on the device</a:t>
+            </a:r>
+          </a:p>
+          <a:p>
+            <a:r>
+              <a:rPr lang="en-US" baseline="0" dirty="0"/>
+              <a:t>Battery connector – attaches the battery pack</a:t>
+            </a:r>
+          </a:p>
+          <a:p>
+            <a:r>
+              <a:rPr lang="en-US" baseline="0" dirty="0"/>
+              <a:t>Mini USB port – allows you to connect the </a:t>
+            </a:r>
+            <a:r>
+              <a:rPr lang="en-US" baseline="0" dirty="0" err="1"/>
+              <a:t>micro:bit</a:t>
+            </a:r>
+            <a:r>
+              <a:rPr lang="en-US" baseline="0" dirty="0"/>
+              <a:t> to a computer so that you can download the program to the device.</a:t>
+            </a:r>
+          </a:p>
+          <a:p>
+            <a:endParaRPr lang="en-US" baseline="0" dirty="0"/>
+          </a:p>
+          <a:p>
+            <a:r>
+              <a:rPr lang="en-US" baseline="0" dirty="0"/>
+              <a:t>5.) 25 physical connection pins and input\output rings</a:t>
+            </a:r>
+          </a:p>
+          <a:p>
+            <a:endParaRPr lang="en-US" baseline="0" dirty="0"/>
+          </a:p>
+          <a:p>
+            <a:r>
+              <a:rPr lang="en-US" baseline="0" dirty="0"/>
+              <a:t>Let’s you connect additional sensors and external devices to the </a:t>
+            </a:r>
+            <a:r>
+              <a:rPr lang="en-US" baseline="0" dirty="0" err="1"/>
+              <a:t>micro:bit</a:t>
+            </a:r>
+            <a:r>
+              <a:rPr lang="en-US" baseline="0" dirty="0"/>
+              <a:t>.  </a:t>
+            </a:r>
+          </a:p>
+          <a:p>
+            <a:r>
+              <a:rPr lang="en-US" baseline="0" dirty="0"/>
+              <a:t>For example, you can connect a speaker using alligator clips and program the </a:t>
+            </a:r>
+            <a:r>
+              <a:rPr lang="en-US" baseline="0" dirty="0" err="1"/>
+              <a:t>microbit</a:t>
+            </a:r>
+            <a:r>
+              <a:rPr lang="en-US" baseline="0" dirty="0"/>
+              <a:t> to play sounds and music.</a:t>
+            </a:r>
+          </a:p>
+          <a:p>
+            <a:pPr marL="171450" indent="-171450">
+              <a:buFont typeface="Arial" panose="020B0604020202020204" pitchFamily="34" charset="0"/>
+              <a:buChar char="•"/>
+            </a:pPr>
+            <a:endParaRPr lang="en-US" baseline="0" dirty="0"/>
+          </a:p>
+          <a:p>
+            <a:endParaRPr lang="en-US" dirty="0"/>
           </a:p>
         </p:txBody>
       </p:sp>
@@ -826,7 +1104,7 @@
     </p:spTree>
     <p:extLst>
       <p:ext uri="{BB962C8B-B14F-4D97-AF65-F5344CB8AC3E}">
-        <p14:creationId xmlns:p14="http://schemas.microsoft.com/office/powerpoint/2010/main" val="160574150"/>
+        <p14:creationId xmlns:p14="http://schemas.microsoft.com/office/powerpoint/2010/main" val="390985726"/>
       </p:ext>
     </p:extLst>
   </p:cSld>
@@ -882,38 +1160,27 @@
           <a:p>
             <a:r>
               <a:rPr lang="en-US" dirty="0"/>
-              <a:t>After this slide – play the game for 10 minutes???</a:t>
-            </a:r>
-          </a:p>
-          <a:p>
-            <a:r>
-              <a:rPr lang="en-US" dirty="0"/>
-              <a:t>1.) Volunteers will break students up</a:t>
+              <a:t>Volunteers</a:t>
             </a:r>
             <a:r>
               <a:rPr lang="en-US" baseline="0" dirty="0"/>
-              <a:t> into groups of 5-8.</a:t>
-            </a:r>
-          </a:p>
-          <a:p>
+              <a:t> should ensure all students have their </a:t>
+            </a:r>
+            <a:r>
+              <a:rPr lang="en-US" baseline="0" dirty="0" err="1"/>
+              <a:t>micro:bit</a:t>
+            </a:r>
             <a:r>
               <a:rPr lang="en-US" baseline="0" dirty="0"/>
-              <a:t>2.) Volunteers will handout </a:t>
-            </a:r>
-            <a:r>
-              <a:rPr lang="en-US" baseline="0" dirty="0" err="1"/>
-              <a:t>microbits</a:t>
-            </a:r>
-            <a:r>
-              <a:rPr lang="en-US" baseline="0" dirty="0"/>
-              <a:t> at this time that are preprogrammed with the game.</a:t>
-            </a:r>
-          </a:p>
-          <a:p>
-            <a:r>
-              <a:rPr lang="en-US" baseline="0" dirty="0"/>
-              <a:t>3.) Volunteers will need to familiarize themselves with the rules to lead the game for the group.  They need to control the Master device which leads the game.  Will provide handout with instructions to the volunteers.  We should do a practice round with each volunteer.</a:t>
-            </a:r>
+              <a:t> attached to laptop and have navigated to microbit.org.  And, walk around to help students through the exercises that Nicole\Michael will lead.</a:t>
+            </a:r>
+          </a:p>
+          <a:p>
+            <a:pPr marL="628650" lvl="1" indent="-171450">
+              <a:buFont typeface="Arial" panose="020B0604020202020204" pitchFamily="34" charset="0"/>
+              <a:buChar char="•"/>
+            </a:pPr>
+            <a:endParaRPr lang="en-US" baseline="0" dirty="0"/>
           </a:p>
         </p:txBody>
       </p:sp>
@@ -943,7 +1210,7 @@
     </p:spTree>
     <p:extLst>
       <p:ext uri="{BB962C8B-B14F-4D97-AF65-F5344CB8AC3E}">
-        <p14:creationId xmlns:p14="http://schemas.microsoft.com/office/powerpoint/2010/main" val="71012782"/>
+        <p14:creationId xmlns:p14="http://schemas.microsoft.com/office/powerpoint/2010/main" val="3104787996"/>
       </p:ext>
     </p:extLst>
   </p:cSld>
@@ -998,229 +1265,8 @@
           <a:lstStyle/>
           <a:p>
             <a:r>
-              <a:rPr lang="en-US" dirty="0"/>
-              <a:t>Front:</a:t>
-            </a:r>
-          </a:p>
-          <a:p>
-            <a:endParaRPr lang="en-US" dirty="0"/>
-          </a:p>
-          <a:p>
-            <a:pPr marL="0" marR="0" lvl="0" indent="0" algn="l" defTabSz="914400" rtl="0" eaLnBrk="1" fontAlgn="auto" latinLnBrk="0" hangingPunct="1">
-              <a:lnSpc>
-                <a:spcPct val="100000"/>
-              </a:lnSpc>
-              <a:spcBef>
-                <a:spcPts val="0"/>
-              </a:spcBef>
-              <a:spcAft>
-                <a:spcPts val="0"/>
-              </a:spcAft>
-              <a:buClrTx/>
-              <a:buSzTx/>
-              <a:buFontTx/>
-              <a:buNone/>
-              <a:tabLst/>
-              <a:defRPr/>
-            </a:pPr>
-            <a:r>
-              <a:rPr lang="en-US" dirty="0"/>
-              <a:t>25 individual LED lights – Each light</a:t>
-            </a:r>
-            <a:r>
               <a:rPr lang="en-US" baseline="0" dirty="0"/>
-              <a:t> is individually programmable so that you can write code that controls whether each light is off or on; you can create different patterns with the lights, to show numbers, letters, or shapes, as you already saw with the infection game.</a:t>
-            </a:r>
-            <a:endParaRPr lang="en-US" dirty="0"/>
-          </a:p>
-          <a:p>
-            <a:endParaRPr lang="en-US" dirty="0"/>
-          </a:p>
-          <a:p>
-            <a:pPr marL="0" marR="0" lvl="0" indent="0" algn="l" defTabSz="914400" rtl="0" eaLnBrk="1" fontAlgn="auto" latinLnBrk="0" hangingPunct="1">
-              <a:lnSpc>
-                <a:spcPct val="100000"/>
-              </a:lnSpc>
-              <a:spcBef>
-                <a:spcPts val="0"/>
-              </a:spcBef>
-              <a:spcAft>
-                <a:spcPts val="0"/>
-              </a:spcAft>
-              <a:buClrTx/>
-              <a:buSzTx/>
-              <a:buFontTx/>
-              <a:buNone/>
-              <a:tabLst/>
-              <a:defRPr/>
-            </a:pPr>
-            <a:r>
-              <a:rPr lang="en-US" dirty="0"/>
-              <a:t>2 programmable</a:t>
-            </a:r>
-            <a:r>
-              <a:rPr lang="en-US" baseline="0" dirty="0"/>
-              <a:t> buttons (A &amp; B) – This let’s you write code that causes the </a:t>
-            </a:r>
-            <a:r>
-              <a:rPr lang="en-US" baseline="0" dirty="0" err="1"/>
-              <a:t>microbit</a:t>
-            </a:r>
-            <a:r>
-              <a:rPr lang="en-US" baseline="0" dirty="0"/>
-              <a:t> to do something whenever a button is clicked.   For example, you could write code that turns on one of the LED lights each time the button is clicked.</a:t>
-            </a:r>
-          </a:p>
-          <a:p>
-            <a:r>
-              <a:rPr lang="en-US" dirty="0"/>
-              <a:t> </a:t>
-            </a:r>
-          </a:p>
-          <a:p>
-            <a:r>
-              <a:rPr lang="en-US" dirty="0"/>
-              <a:t>Back:</a:t>
-            </a:r>
-          </a:p>
-          <a:p>
-            <a:endParaRPr lang="en-US" dirty="0"/>
-          </a:p>
-          <a:p>
-            <a:r>
-              <a:rPr lang="en-US" baseline="0" dirty="0"/>
-              <a:t>1.) Two motion sensors:</a:t>
-            </a:r>
-          </a:p>
-          <a:p>
-            <a:endParaRPr lang="en-US" baseline="0" dirty="0"/>
-          </a:p>
-          <a:p>
-            <a:r>
-              <a:rPr lang="en-US" baseline="0" dirty="0"/>
-              <a:t>* Accelerometer – detects acceleration, such as when you tilt the </a:t>
-            </a:r>
-            <a:r>
-              <a:rPr lang="en-US" baseline="0" dirty="0" err="1"/>
-              <a:t>microbit</a:t>
-            </a:r>
-            <a:r>
-              <a:rPr lang="en-US" baseline="0" dirty="0"/>
-              <a:t> left\right, backward\forward and up and down.  For example, you could write code that does something when the </a:t>
-            </a:r>
-            <a:r>
-              <a:rPr lang="en-US" baseline="0" dirty="0" err="1"/>
-              <a:t>microbit</a:t>
-            </a:r>
-            <a:r>
-              <a:rPr lang="en-US" baseline="0" dirty="0"/>
-              <a:t> gets shook.</a:t>
-            </a:r>
-          </a:p>
-          <a:p>
-            <a:endParaRPr lang="en-US" baseline="0" dirty="0"/>
-          </a:p>
-          <a:p>
-            <a:pPr marL="171450" indent="-171450">
-              <a:buFont typeface="Arial" panose="020B0604020202020204" pitchFamily="34" charset="0"/>
-              <a:buChar char="•"/>
-            </a:pPr>
-            <a:r>
-              <a:rPr lang="en-US" baseline="0" dirty="0"/>
-              <a:t>Compass – measure magnetic field to gauge </a:t>
-            </a:r>
-            <a:r>
-              <a:rPr lang="en-US" baseline="0" dirty="0" err="1"/>
-              <a:t>gauge</a:t>
-            </a:r>
-            <a:r>
-              <a:rPr lang="en-US" baseline="0" dirty="0"/>
-              <a:t> position.  You could use this to create a digital compass.</a:t>
-            </a:r>
-          </a:p>
-          <a:p>
-            <a:pPr marL="171450" indent="-171450">
-              <a:buFont typeface="Arial" panose="020B0604020202020204" pitchFamily="34" charset="0"/>
-              <a:buChar char="•"/>
-            </a:pPr>
-            <a:endParaRPr lang="en-US" baseline="0" dirty="0"/>
-          </a:p>
-          <a:p>
-            <a:r>
-              <a:rPr lang="en-US" baseline="0" dirty="0"/>
-              <a:t>2.) Thermometer:</a:t>
-            </a:r>
-          </a:p>
-          <a:p>
-            <a:endParaRPr lang="en-US" baseline="0" dirty="0"/>
-          </a:p>
-          <a:p>
-            <a:r>
-              <a:rPr lang="en-US" baseline="0" dirty="0"/>
-              <a:t>Isn’t used to measure the exact room temperature, but instead measures the ambient temperature of the surrounding chip which gets warmer as you turn on and use it.  You could use this to gauge temperature differences and write code that does something in response – such as change the LED light pattern when a temperature change occurs.</a:t>
-            </a:r>
-          </a:p>
-          <a:p>
-            <a:endParaRPr lang="en-US" baseline="0" dirty="0"/>
-          </a:p>
-          <a:p>
-            <a:r>
-              <a:rPr lang="en-US" baseline="0" dirty="0"/>
-              <a:t>3.) Radio:</a:t>
-            </a:r>
-          </a:p>
-          <a:p>
-            <a:endParaRPr lang="en-US" baseline="0" dirty="0"/>
-          </a:p>
-          <a:p>
-            <a:r>
-              <a:rPr lang="en-US" baseline="0" dirty="0"/>
-              <a:t>The radio chip lets you send and receive messages between </a:t>
-            </a:r>
-            <a:r>
-              <a:rPr lang="en-US" baseline="0" dirty="0" err="1"/>
-              <a:t>microbits</a:t>
-            </a:r>
-            <a:r>
-              <a:rPr lang="en-US" baseline="0" dirty="0"/>
-              <a:t>.  This is what the infection game used to trigger an outbreak – each infected </a:t>
-            </a:r>
-            <a:r>
-              <a:rPr lang="en-US" baseline="0" dirty="0" err="1"/>
-              <a:t>microbit</a:t>
-            </a:r>
-            <a:r>
-              <a:rPr lang="en-US" baseline="0" dirty="0"/>
-              <a:t> would send messages to infect other </a:t>
-            </a:r>
-            <a:r>
-              <a:rPr lang="en-US" baseline="0" dirty="0" err="1"/>
-              <a:t>microbits</a:t>
-            </a:r>
-            <a:r>
-              <a:rPr lang="en-US" baseline="0" dirty="0"/>
-              <a:t> around it.</a:t>
-            </a:r>
-          </a:p>
-          <a:p>
-            <a:endParaRPr lang="en-US" baseline="0" dirty="0"/>
-          </a:p>
-          <a:p>
-            <a:r>
-              <a:rPr lang="en-US" baseline="0" dirty="0"/>
-              <a:t>4.) Reset button – let’s you restart the program on the device</a:t>
-            </a:r>
-          </a:p>
-          <a:p>
-            <a:r>
-              <a:rPr lang="en-US" baseline="0" dirty="0"/>
-              <a:t>Battery connector – attaches the battery pack</a:t>
-            </a:r>
-          </a:p>
-          <a:p>
-            <a:r>
-              <a:rPr lang="en-US" baseline="0" dirty="0"/>
-              <a:t>Mini USB port – allows you to connect the </a:t>
+              <a:t>Emphasize that by the end of the workshop, we will teach all of everyone how to write code.  And, even for those of that already know how to write code, we’ll show you how you can continue to grow your coding skills using a </a:t>
             </a:r>
             <a:r>
               <a:rPr lang="en-US" baseline="0" dirty="0" err="1"/>
@@ -1228,25 +1274,7 @@
             </a:r>
             <a:r>
               <a:rPr lang="en-US" baseline="0" dirty="0"/>
-              <a:t> to a computer so that you can download the program to the device.</a:t>
-            </a:r>
-          </a:p>
-          <a:p>
-            <a:endParaRPr lang="en-US" baseline="0" dirty="0"/>
-          </a:p>
-          <a:p>
-            <a:r>
-              <a:rPr lang="en-US" baseline="0" dirty="0"/>
-              <a:t>5.) 25 physical connection pins and input\output rings</a:t>
-            </a:r>
-          </a:p>
-          <a:p>
-            <a:endParaRPr lang="en-US" baseline="0" dirty="0"/>
-          </a:p>
-          <a:p>
-            <a:r>
-              <a:rPr lang="en-US" baseline="0" dirty="0"/>
-              <a:t>Let’s you connect additional sensors and external devices to the </a:t>
+              <a:t>.  The possibilities are endless with the </a:t>
             </a:r>
             <a:r>
               <a:rPr lang="en-US" baseline="0" dirty="0" err="1"/>
@@ -1254,32 +1282,28 @@
             </a:r>
             <a:r>
               <a:rPr lang="en-US" baseline="0" dirty="0"/>
-              <a:t>.  </a:t>
-            </a:r>
+              <a:t>.</a:t>
+            </a:r>
+          </a:p>
+          <a:p>
+            <a:endParaRPr lang="en-US" baseline="0" dirty="0"/>
           </a:p>
           <a:p>
             <a:r>
               <a:rPr lang="en-US" baseline="0" dirty="0"/>
-              <a:t>For example, you can connect a speaker using alligator clips and program the </a:t>
+              <a:t>Also, prepare a handout for students at the end with resources and ways to continue their learning?  Also, where to purchase the </a:t>
             </a:r>
             <a:r>
               <a:rPr lang="en-US" baseline="0" dirty="0" err="1"/>
-              <a:t>microbit</a:t>
+              <a:t>micro:bit</a:t>
             </a:r>
             <a:r>
               <a:rPr lang="en-US" baseline="0" dirty="0"/>
-              <a:t> to play sounds and music.</a:t>
-            </a:r>
-          </a:p>
-          <a:p>
-            <a:pPr marL="171450" indent="-171450">
-              <a:buFont typeface="Arial" panose="020B0604020202020204" pitchFamily="34" charset="0"/>
-              <a:buChar char="•"/>
-            </a:pPr>
+              <a:t>.</a:t>
+            </a:r>
+          </a:p>
+          <a:p>
             <a:endParaRPr lang="en-US" baseline="0" dirty="0"/>
-          </a:p>
-          <a:p>
-            <a:endParaRPr lang="en-US" dirty="0"/>
           </a:p>
         </p:txBody>
       </p:sp>
@@ -1309,456 +1333,7 @@
     </p:spTree>
     <p:extLst>
       <p:ext uri="{BB962C8B-B14F-4D97-AF65-F5344CB8AC3E}">
-        <p14:creationId xmlns:p14="http://schemas.microsoft.com/office/powerpoint/2010/main" val="390985726"/>
-      </p:ext>
-    </p:extLst>
-  </p:cSld>
-  <p:clrMapOvr>
-    <a:masterClrMapping/>
-  </p:clrMapOvr>
-</p:notes>
-</file>
-
-<file path=ppt/notesSlides/notesSlide6.xml><?xml version="1.0" encoding="utf-8"?>
-<p:notes xmlns:a="http://schemas.openxmlformats.org/drawingml/2006/main" xmlns:r="http://schemas.openxmlformats.org/officeDocument/2006/relationships" xmlns:p="http://schemas.openxmlformats.org/presentationml/2006/main">
-  <p:cSld>
-    <p:spTree>
-      <p:nvGrpSpPr>
-        <p:cNvPr id="1" name=""/>
-        <p:cNvGrpSpPr/>
-        <p:nvPr/>
-      </p:nvGrpSpPr>
-      <p:grpSpPr>
-        <a:xfrm>
-          <a:off x="0" y="0"/>
-          <a:ext cx="0" cy="0"/>
-          <a:chOff x="0" y="0"/>
-          <a:chExt cx="0" cy="0"/>
-        </a:xfrm>
-      </p:grpSpPr>
-      <p:sp>
-        <p:nvSpPr>
-          <p:cNvPr id="2" name="Slide Image Placeholder 1"/>
-          <p:cNvSpPr>
-            <a:spLocks noGrp="1" noRot="1" noChangeAspect="1"/>
-          </p:cNvSpPr>
-          <p:nvPr>
-            <p:ph type="sldImg"/>
-          </p:nvPr>
-        </p:nvSpPr>
-        <p:spPr/>
-      </p:sp>
-      <p:sp>
-        <p:nvSpPr>
-          <p:cNvPr id="3" name="Notes Placeholder 2"/>
-          <p:cNvSpPr>
-            <a:spLocks noGrp="1"/>
-          </p:cNvSpPr>
-          <p:nvPr>
-            <p:ph type="body" idx="1"/>
-          </p:nvPr>
-        </p:nvSpPr>
-        <p:spPr/>
-        <p:txBody>
-          <a:bodyPr/>
-          <a:lstStyle/>
-          <a:p>
-            <a:r>
-              <a:rPr lang="en-US" dirty="0"/>
-              <a:t>Volunteers</a:t>
-            </a:r>
-            <a:r>
-              <a:rPr lang="en-US" baseline="0" dirty="0"/>
-              <a:t> should ensure all students have their </a:t>
-            </a:r>
-            <a:r>
-              <a:rPr lang="en-US" baseline="0" dirty="0" err="1"/>
-              <a:t>micro:bit</a:t>
-            </a:r>
-            <a:r>
-              <a:rPr lang="en-US" baseline="0" dirty="0"/>
-              <a:t> attached to laptop and have navigated to microbit.org.  And, walk around to help students through the exercises that Nicole\Michael will lead.</a:t>
-            </a:r>
-          </a:p>
-          <a:p>
-            <a:pPr marL="628650" lvl="1" indent="-171450">
-              <a:buFont typeface="Arial" panose="020B0604020202020204" pitchFamily="34" charset="0"/>
-              <a:buChar char="•"/>
-            </a:pPr>
-            <a:endParaRPr lang="en-US" baseline="0" dirty="0"/>
-          </a:p>
-        </p:txBody>
-      </p:sp>
-      <p:sp>
-        <p:nvSpPr>
-          <p:cNvPr id="4" name="Slide Number Placeholder 3"/>
-          <p:cNvSpPr>
-            <a:spLocks noGrp="1"/>
-          </p:cNvSpPr>
-          <p:nvPr>
-            <p:ph type="sldNum" sz="quarter" idx="10"/>
-          </p:nvPr>
-        </p:nvSpPr>
-        <p:spPr/>
-        <p:txBody>
-          <a:bodyPr/>
-          <a:lstStyle/>
-          <a:p>
-            <a:fld id="{969988DB-DEDC-44B6-A3C2-E61B5963C8DA}" type="slidenum">
-              <a:rPr lang="en-US" smtClean="0"/>
-              <a:t>6</a:t>
-            </a:fld>
-            <a:endParaRPr lang="en-US"/>
-          </a:p>
-        </p:txBody>
-      </p:sp>
-    </p:spTree>
-    <p:extLst>
-      <p:ext uri="{BB962C8B-B14F-4D97-AF65-F5344CB8AC3E}">
-        <p14:creationId xmlns:p14="http://schemas.microsoft.com/office/powerpoint/2010/main" val="3104787996"/>
-      </p:ext>
-    </p:extLst>
-  </p:cSld>
-  <p:clrMapOvr>
-    <a:masterClrMapping/>
-  </p:clrMapOvr>
-</p:notes>
-</file>
-
-<file path=ppt/notesSlides/notesSlide7.xml><?xml version="1.0" encoding="utf-8"?>
-<p:notes xmlns:a="http://schemas.openxmlformats.org/drawingml/2006/main" xmlns:r="http://schemas.openxmlformats.org/officeDocument/2006/relationships" xmlns:p="http://schemas.openxmlformats.org/presentationml/2006/main">
-  <p:cSld>
-    <p:spTree>
-      <p:nvGrpSpPr>
-        <p:cNvPr id="1" name=""/>
-        <p:cNvGrpSpPr/>
-        <p:nvPr/>
-      </p:nvGrpSpPr>
-      <p:grpSpPr>
-        <a:xfrm>
-          <a:off x="0" y="0"/>
-          <a:ext cx="0" cy="0"/>
-          <a:chOff x="0" y="0"/>
-          <a:chExt cx="0" cy="0"/>
-        </a:xfrm>
-      </p:grpSpPr>
-      <p:sp>
-        <p:nvSpPr>
-          <p:cNvPr id="2" name="Slide Image Placeholder 1"/>
-          <p:cNvSpPr>
-            <a:spLocks noGrp="1" noRot="1" noChangeAspect="1"/>
-          </p:cNvSpPr>
-          <p:nvPr>
-            <p:ph type="sldImg"/>
-          </p:nvPr>
-        </p:nvSpPr>
-        <p:spPr/>
-      </p:sp>
-      <p:sp>
-        <p:nvSpPr>
-          <p:cNvPr id="3" name="Notes Placeholder 2"/>
-          <p:cNvSpPr>
-            <a:spLocks noGrp="1"/>
-          </p:cNvSpPr>
-          <p:nvPr>
-            <p:ph type="body" idx="1"/>
-          </p:nvPr>
-        </p:nvSpPr>
-        <p:spPr/>
-        <p:txBody>
-          <a:bodyPr/>
-          <a:lstStyle/>
-          <a:p>
-            <a:r>
-              <a:rPr lang="en-US" dirty="0"/>
-              <a:t>We have a total of 12 volunteers</a:t>
-            </a:r>
-            <a:r>
-              <a:rPr lang="en-US" baseline="0" dirty="0"/>
-              <a:t> (including Michael\Nicole)</a:t>
-            </a:r>
-          </a:p>
-          <a:p>
-            <a:endParaRPr lang="en-US" baseline="0" dirty="0"/>
-          </a:p>
-          <a:p>
-            <a:r>
-              <a:rPr lang="en-US" baseline="0" dirty="0"/>
-              <a:t>How should we divide students?  Have them raise their hand if they are interested in project #1, divide them up into groups of 5-6 students per volunteer…then repeat same process for projects 2 and 3?</a:t>
-            </a:r>
-          </a:p>
-          <a:p>
-            <a:endParaRPr lang="en-US" baseline="0" dirty="0"/>
-          </a:p>
-          <a:p>
-            <a:r>
-              <a:rPr lang="en-US" baseline="0" dirty="0"/>
-              <a:t>Need handouts to give to students for their projects. Also, need the same for the volunteers.</a:t>
-            </a:r>
-            <a:endParaRPr lang="en-US" dirty="0"/>
-          </a:p>
-        </p:txBody>
-      </p:sp>
-      <p:sp>
-        <p:nvSpPr>
-          <p:cNvPr id="4" name="Slide Number Placeholder 3"/>
-          <p:cNvSpPr>
-            <a:spLocks noGrp="1"/>
-          </p:cNvSpPr>
-          <p:nvPr>
-            <p:ph type="sldNum" sz="quarter" idx="10"/>
-          </p:nvPr>
-        </p:nvSpPr>
-        <p:spPr/>
-        <p:txBody>
-          <a:bodyPr/>
-          <a:lstStyle/>
-          <a:p>
-            <a:fld id="{969988DB-DEDC-44B6-A3C2-E61B5963C8DA}" type="slidenum">
-              <a:rPr lang="en-US" smtClean="0"/>
-              <a:t>7</a:t>
-            </a:fld>
-            <a:endParaRPr lang="en-US"/>
-          </a:p>
-        </p:txBody>
-      </p:sp>
-    </p:spTree>
-    <p:extLst>
-      <p:ext uri="{BB962C8B-B14F-4D97-AF65-F5344CB8AC3E}">
-        <p14:creationId xmlns:p14="http://schemas.microsoft.com/office/powerpoint/2010/main" val="3718173066"/>
-      </p:ext>
-    </p:extLst>
-  </p:cSld>
-  <p:clrMapOvr>
-    <a:masterClrMapping/>
-  </p:clrMapOvr>
-</p:notes>
-</file>
-
-<file path=ppt/notesSlides/notesSlide8.xml><?xml version="1.0" encoding="utf-8"?>
-<p:notes xmlns:a="http://schemas.openxmlformats.org/drawingml/2006/main" xmlns:r="http://schemas.openxmlformats.org/officeDocument/2006/relationships" xmlns:p="http://schemas.openxmlformats.org/presentationml/2006/main">
-  <p:cSld>
-    <p:spTree>
-      <p:nvGrpSpPr>
-        <p:cNvPr id="1" name=""/>
-        <p:cNvGrpSpPr/>
-        <p:nvPr/>
-      </p:nvGrpSpPr>
-      <p:grpSpPr>
-        <a:xfrm>
-          <a:off x="0" y="0"/>
-          <a:ext cx="0" cy="0"/>
-          <a:chOff x="0" y="0"/>
-          <a:chExt cx="0" cy="0"/>
-        </a:xfrm>
-      </p:grpSpPr>
-      <p:sp>
-        <p:nvSpPr>
-          <p:cNvPr id="2" name="Slide Image Placeholder 1"/>
-          <p:cNvSpPr>
-            <a:spLocks noGrp="1" noRot="1" noChangeAspect="1"/>
-          </p:cNvSpPr>
-          <p:nvPr>
-            <p:ph type="sldImg"/>
-          </p:nvPr>
-        </p:nvSpPr>
-        <p:spPr/>
-      </p:sp>
-      <p:sp>
-        <p:nvSpPr>
-          <p:cNvPr id="3" name="Notes Placeholder 2"/>
-          <p:cNvSpPr>
-            <a:spLocks noGrp="1"/>
-          </p:cNvSpPr>
-          <p:nvPr>
-            <p:ph type="body" idx="1"/>
-          </p:nvPr>
-        </p:nvSpPr>
-        <p:spPr/>
-        <p:txBody>
-          <a:bodyPr/>
-          <a:lstStyle/>
-          <a:p>
-            <a:r>
-              <a:rPr lang="en-US" baseline="0" dirty="0"/>
-              <a:t>Emphasize that by the end of the workshop, we will teach all of everyone how to write code.  And, even for those of that already know how to write code, we’ll show you how you can continue to grow your coding skills using a </a:t>
-            </a:r>
-            <a:r>
-              <a:rPr lang="en-US" baseline="0" dirty="0" err="1"/>
-              <a:t>micro:bit</a:t>
-            </a:r>
-            <a:r>
-              <a:rPr lang="en-US" baseline="0" dirty="0"/>
-              <a:t>.  The possibilities are endless with the </a:t>
-            </a:r>
-            <a:r>
-              <a:rPr lang="en-US" baseline="0" dirty="0" err="1"/>
-              <a:t>micro:bit</a:t>
-            </a:r>
-            <a:r>
-              <a:rPr lang="en-US" baseline="0" dirty="0"/>
-              <a:t>.</a:t>
-            </a:r>
-          </a:p>
-          <a:p>
-            <a:endParaRPr lang="en-US" baseline="0" dirty="0"/>
-          </a:p>
-          <a:p>
-            <a:r>
-              <a:rPr lang="en-US" baseline="0" dirty="0"/>
-              <a:t>Also, prepare a handout for students at the end with resources and ways to continue their learning?  Also, where to purchase the </a:t>
-            </a:r>
-            <a:r>
-              <a:rPr lang="en-US" baseline="0" dirty="0" err="1"/>
-              <a:t>micro:bit</a:t>
-            </a:r>
-            <a:r>
-              <a:rPr lang="en-US" baseline="0" dirty="0"/>
-              <a:t>.</a:t>
-            </a:r>
-          </a:p>
-          <a:p>
-            <a:endParaRPr lang="en-US" baseline="0" dirty="0"/>
-          </a:p>
-        </p:txBody>
-      </p:sp>
-      <p:sp>
-        <p:nvSpPr>
-          <p:cNvPr id="4" name="Slide Number Placeholder 3"/>
-          <p:cNvSpPr>
-            <a:spLocks noGrp="1"/>
-          </p:cNvSpPr>
-          <p:nvPr>
-            <p:ph type="sldNum" sz="quarter" idx="10"/>
-          </p:nvPr>
-        </p:nvSpPr>
-        <p:spPr/>
-        <p:txBody>
-          <a:bodyPr/>
-          <a:lstStyle/>
-          <a:p>
-            <a:fld id="{969988DB-DEDC-44B6-A3C2-E61B5963C8DA}" type="slidenum">
-              <a:rPr lang="en-US" smtClean="0"/>
-              <a:t>8</a:t>
-            </a:fld>
-            <a:endParaRPr lang="en-US"/>
-          </a:p>
-        </p:txBody>
-      </p:sp>
-    </p:spTree>
-    <p:extLst>
-      <p:ext uri="{BB962C8B-B14F-4D97-AF65-F5344CB8AC3E}">
         <p14:creationId xmlns:p14="http://schemas.microsoft.com/office/powerpoint/2010/main" val="2388228598"/>
-      </p:ext>
-    </p:extLst>
-  </p:cSld>
-  <p:clrMapOvr>
-    <a:masterClrMapping/>
-  </p:clrMapOvr>
-</p:notes>
-</file>
-
-<file path=ppt/notesSlides/notesSlide9.xml><?xml version="1.0" encoding="utf-8"?>
-<p:notes xmlns:a="http://schemas.openxmlformats.org/drawingml/2006/main" xmlns:r="http://schemas.openxmlformats.org/officeDocument/2006/relationships" xmlns:p="http://schemas.openxmlformats.org/presentationml/2006/main">
-  <p:cSld>
-    <p:spTree>
-      <p:nvGrpSpPr>
-        <p:cNvPr id="1" name=""/>
-        <p:cNvGrpSpPr/>
-        <p:nvPr/>
-      </p:nvGrpSpPr>
-      <p:grpSpPr>
-        <a:xfrm>
-          <a:off x="0" y="0"/>
-          <a:ext cx="0" cy="0"/>
-          <a:chOff x="0" y="0"/>
-          <a:chExt cx="0" cy="0"/>
-        </a:xfrm>
-      </p:grpSpPr>
-      <p:sp>
-        <p:nvSpPr>
-          <p:cNvPr id="2" name="Slide Image Placeholder 1"/>
-          <p:cNvSpPr>
-            <a:spLocks noGrp="1" noRot="1" noChangeAspect="1"/>
-          </p:cNvSpPr>
-          <p:nvPr>
-            <p:ph type="sldImg"/>
-          </p:nvPr>
-        </p:nvSpPr>
-        <p:spPr/>
-      </p:sp>
-      <p:sp>
-        <p:nvSpPr>
-          <p:cNvPr id="3" name="Notes Placeholder 2"/>
-          <p:cNvSpPr>
-            <a:spLocks noGrp="1"/>
-          </p:cNvSpPr>
-          <p:nvPr>
-            <p:ph type="body" idx="1"/>
-          </p:nvPr>
-        </p:nvSpPr>
-        <p:spPr/>
-        <p:txBody>
-          <a:bodyPr/>
-          <a:lstStyle/>
-          <a:p>
-            <a:r>
-              <a:rPr lang="en-US" dirty="0"/>
-              <a:t>We have a total of 12 volunteers</a:t>
-            </a:r>
-            <a:r>
-              <a:rPr lang="en-US" baseline="0" dirty="0"/>
-              <a:t> (including Michael\Nicole)</a:t>
-            </a:r>
-          </a:p>
-          <a:p>
-            <a:endParaRPr lang="en-US" baseline="0" dirty="0"/>
-          </a:p>
-          <a:p>
-            <a:r>
-              <a:rPr lang="en-US" baseline="0" dirty="0"/>
-              <a:t>How should we divide students?  Have them raise their hand if they are interested in project #1, divide them up into groups of 5-6 students per volunteer…then repeat same process for projects 2 and 3?</a:t>
-            </a:r>
-          </a:p>
-          <a:p>
-            <a:endParaRPr lang="en-US" baseline="0" dirty="0"/>
-          </a:p>
-          <a:p>
-            <a:r>
-              <a:rPr lang="en-US" baseline="0" dirty="0"/>
-              <a:t>Need handouts to give to students for their projects. Also, need the same for the volunteers.</a:t>
-            </a:r>
-            <a:endParaRPr lang="en-US" dirty="0"/>
-          </a:p>
-        </p:txBody>
-      </p:sp>
-      <p:sp>
-        <p:nvSpPr>
-          <p:cNvPr id="4" name="Slide Number Placeholder 3"/>
-          <p:cNvSpPr>
-            <a:spLocks noGrp="1"/>
-          </p:cNvSpPr>
-          <p:nvPr>
-            <p:ph type="sldNum" sz="quarter" idx="10"/>
-          </p:nvPr>
-        </p:nvSpPr>
-        <p:spPr/>
-        <p:txBody>
-          <a:bodyPr/>
-          <a:lstStyle/>
-          <a:p>
-            <a:fld id="{969988DB-DEDC-44B6-A3C2-E61B5963C8DA}" type="slidenum">
-              <a:rPr lang="en-US" smtClean="0"/>
-              <a:t>9</a:t>
-            </a:fld>
-            <a:endParaRPr lang="en-US"/>
-          </a:p>
-        </p:txBody>
-      </p:sp>
-    </p:spTree>
-    <p:extLst>
-      <p:ext uri="{BB962C8B-B14F-4D97-AF65-F5344CB8AC3E}">
-        <p14:creationId xmlns:p14="http://schemas.microsoft.com/office/powerpoint/2010/main" val="401705337"/>
       </p:ext>
     </p:extLst>
   </p:cSld>
@@ -1897,7 +1472,7 @@
           <a:p>
             <a:fld id="{A8844AD2-AD36-43B5-BCE1-34B56CA3CB43}" type="datetimeFigureOut">
               <a:rPr lang="en-US" smtClean="0"/>
-              <a:t>3/14/18</a:t>
+              <a:t>3/22/18</a:t>
             </a:fld>
             <a:endParaRPr lang="en-US"/>
           </a:p>
@@ -2065,7 +1640,7 @@
           <a:p>
             <a:fld id="{A8844AD2-AD36-43B5-BCE1-34B56CA3CB43}" type="datetimeFigureOut">
               <a:rPr lang="en-US" smtClean="0"/>
-              <a:t>3/14/18</a:t>
+              <a:t>3/22/18</a:t>
             </a:fld>
             <a:endParaRPr lang="en-US"/>
           </a:p>
@@ -2243,7 +1818,7 @@
           <a:p>
             <a:fld id="{A8844AD2-AD36-43B5-BCE1-34B56CA3CB43}" type="datetimeFigureOut">
               <a:rPr lang="en-US" smtClean="0"/>
-              <a:t>3/14/18</a:t>
+              <a:t>3/22/18</a:t>
             </a:fld>
             <a:endParaRPr lang="en-US"/>
           </a:p>
@@ -2644,7 +2219,7 @@
           <a:p>
             <a:fld id="{A8844AD2-AD36-43B5-BCE1-34B56CA3CB43}" type="datetimeFigureOut">
               <a:rPr lang="en-US" smtClean="0"/>
-              <a:t>3/14/18</a:t>
+              <a:t>3/22/18</a:t>
             </a:fld>
             <a:endParaRPr lang="en-US"/>
           </a:p>
@@ -2889,7 +2464,7 @@
           <a:p>
             <a:fld id="{A8844AD2-AD36-43B5-BCE1-34B56CA3CB43}" type="datetimeFigureOut">
               <a:rPr lang="en-US" smtClean="0"/>
-              <a:t>3/14/18</a:t>
+              <a:t>3/22/18</a:t>
             </a:fld>
             <a:endParaRPr lang="en-US"/>
           </a:p>
@@ -3118,7 +2693,7 @@
           <a:p>
             <a:fld id="{A8844AD2-AD36-43B5-BCE1-34B56CA3CB43}" type="datetimeFigureOut">
               <a:rPr lang="en-US" smtClean="0"/>
-              <a:t>3/14/18</a:t>
+              <a:t>3/22/18</a:t>
             </a:fld>
             <a:endParaRPr lang="en-US"/>
           </a:p>
@@ -3482,7 +3057,7 @@
           <a:p>
             <a:fld id="{A8844AD2-AD36-43B5-BCE1-34B56CA3CB43}" type="datetimeFigureOut">
               <a:rPr lang="en-US" smtClean="0"/>
-              <a:t>3/14/18</a:t>
+              <a:t>3/22/18</a:t>
             </a:fld>
             <a:endParaRPr lang="en-US"/>
           </a:p>
@@ -3599,7 +3174,7 @@
           <a:p>
             <a:fld id="{A8844AD2-AD36-43B5-BCE1-34B56CA3CB43}" type="datetimeFigureOut">
               <a:rPr lang="en-US" smtClean="0"/>
-              <a:t>3/14/18</a:t>
+              <a:t>3/22/18</a:t>
             </a:fld>
             <a:endParaRPr lang="en-US"/>
           </a:p>
@@ -3694,7 +3269,7 @@
           <a:p>
             <a:fld id="{A8844AD2-AD36-43B5-BCE1-34B56CA3CB43}" type="datetimeFigureOut">
               <a:rPr lang="en-US" smtClean="0"/>
-              <a:t>3/14/18</a:t>
+              <a:t>3/22/18</a:t>
             </a:fld>
             <a:endParaRPr lang="en-US"/>
           </a:p>
@@ -3969,7 +3544,7 @@
           <a:p>
             <a:fld id="{A8844AD2-AD36-43B5-BCE1-34B56CA3CB43}" type="datetimeFigureOut">
               <a:rPr lang="en-US" smtClean="0"/>
-              <a:t>3/14/18</a:t>
+              <a:t>3/22/18</a:t>
             </a:fld>
             <a:endParaRPr lang="en-US"/>
           </a:p>
@@ -4221,7 +3796,7 @@
           <a:p>
             <a:fld id="{A8844AD2-AD36-43B5-BCE1-34B56CA3CB43}" type="datetimeFigureOut">
               <a:rPr lang="en-US" smtClean="0"/>
-              <a:t>3/14/18</a:t>
+              <a:t>3/22/18</a:t>
             </a:fld>
             <a:endParaRPr lang="en-US"/>
           </a:p>
@@ -4432,7 +4007,7 @@
           <a:p>
             <a:fld id="{A8844AD2-AD36-43B5-BCE1-34B56CA3CB43}" type="datetimeFigureOut">
               <a:rPr lang="en-US" smtClean="0"/>
-              <a:t>3/14/18</a:t>
+              <a:t>3/22/18</a:t>
             </a:fld>
             <a:endParaRPr lang="en-US"/>
           </a:p>
@@ -5086,201 +4661,6 @@
           </a:p>
         </p:txBody>
       </p:sp>
-      <p:sp>
-        <p:nvSpPr>
-          <p:cNvPr id="9" name="Title 2"/>
-          <p:cNvSpPr txBox="1">
-            <a:spLocks/>
-          </p:cNvSpPr>
-          <p:nvPr/>
-        </p:nvSpPr>
-        <p:spPr>
-          <a:xfrm>
-            <a:off x="2016058" y="1577884"/>
-            <a:ext cx="7944717" cy="1206230"/>
-          </a:xfrm>
-          <a:prstGeom prst="rect">
-            <a:avLst/>
-          </a:prstGeom>
-          <a:solidFill>
-            <a:schemeClr val="accent2">
-              <a:lumMod val="75000"/>
-            </a:schemeClr>
-          </a:solidFill>
-        </p:spPr>
-        <p:txBody>
-          <a:bodyPr>
-            <a:normAutofit fontScale="77500" lnSpcReduction="20000"/>
-          </a:bodyPr>
-          <a:lstStyle>
-            <a:lvl1pPr algn="l" defTabSz="914400" rtl="0" eaLnBrk="1" latinLnBrk="0" hangingPunct="1">
-              <a:lnSpc>
-                <a:spcPct val="90000"/>
-              </a:lnSpc>
-              <a:spcBef>
-                <a:spcPct val="0"/>
-              </a:spcBef>
-              <a:buNone/>
-              <a:defRPr sz="4400" kern="1200">
-                <a:solidFill>
-                  <a:schemeClr val="tx1"/>
-                </a:solidFill>
-                <a:latin typeface="+mj-lt"/>
-                <a:ea typeface="+mj-ea"/>
-                <a:cs typeface="+mj-cs"/>
-              </a:defRPr>
-            </a:lvl1pPr>
-          </a:lstStyle>
-          <a:p>
-            <a:pPr marL="571500" indent="-571500">
-              <a:buFont typeface="Wingdings" panose="05000000000000000000" pitchFamily="2" charset="2"/>
-              <a:buChar char="ü"/>
-            </a:pPr>
-            <a:r>
-              <a:rPr lang="en-US" dirty="0"/>
-              <a:t>90% of students agree that the </a:t>
-            </a:r>
-            <a:r>
-              <a:rPr lang="en-US" dirty="0" err="1"/>
-              <a:t>micro:bit</a:t>
-            </a:r>
-            <a:r>
-              <a:rPr lang="en-US" dirty="0"/>
-              <a:t> showed them that anyone can code.</a:t>
-            </a:r>
-          </a:p>
-        </p:txBody>
-      </p:sp>
-      <p:sp>
-        <p:nvSpPr>
-          <p:cNvPr id="10" name="Title 2"/>
-          <p:cNvSpPr txBox="1">
-            <a:spLocks/>
-          </p:cNvSpPr>
-          <p:nvPr/>
-        </p:nvSpPr>
-        <p:spPr>
-          <a:xfrm>
-            <a:off x="2016058" y="3009852"/>
-            <a:ext cx="7944717" cy="1206230"/>
-          </a:xfrm>
-          <a:prstGeom prst="rect">
-            <a:avLst/>
-          </a:prstGeom>
-          <a:solidFill>
-            <a:schemeClr val="accent2">
-              <a:lumMod val="75000"/>
-            </a:schemeClr>
-          </a:solidFill>
-        </p:spPr>
-        <p:txBody>
-          <a:bodyPr>
-            <a:normAutofit fontScale="77500" lnSpcReduction="20000"/>
-          </a:bodyPr>
-          <a:lstStyle>
-            <a:lvl1pPr algn="l" defTabSz="914400" rtl="0" eaLnBrk="1" latinLnBrk="0" hangingPunct="1">
-              <a:lnSpc>
-                <a:spcPct val="90000"/>
-              </a:lnSpc>
-              <a:spcBef>
-                <a:spcPct val="0"/>
-              </a:spcBef>
-              <a:buNone/>
-              <a:defRPr sz="4400" kern="1200">
-                <a:solidFill>
-                  <a:schemeClr val="tx1"/>
-                </a:solidFill>
-                <a:latin typeface="+mj-lt"/>
-                <a:ea typeface="+mj-ea"/>
-                <a:cs typeface="+mj-cs"/>
-              </a:defRPr>
-            </a:lvl1pPr>
-          </a:lstStyle>
-          <a:p>
-            <a:pPr marL="571500" indent="-571500">
-              <a:buFont typeface="Wingdings" panose="05000000000000000000" pitchFamily="2" charset="2"/>
-              <a:buChar char="ü"/>
-            </a:pPr>
-            <a:r>
-              <a:rPr lang="en-US" dirty="0"/>
-              <a:t>86% of students agree that the </a:t>
-            </a:r>
-            <a:r>
-              <a:rPr lang="en-US" dirty="0" err="1"/>
-              <a:t>micro:bit</a:t>
-            </a:r>
-            <a:r>
-              <a:rPr lang="en-US" dirty="0"/>
-              <a:t> makes Computer Science more interesting.</a:t>
-            </a:r>
-          </a:p>
-        </p:txBody>
-      </p:sp>
-      <p:sp>
-        <p:nvSpPr>
-          <p:cNvPr id="11" name="Title 2"/>
-          <p:cNvSpPr txBox="1">
-            <a:spLocks/>
-          </p:cNvSpPr>
-          <p:nvPr/>
-        </p:nvSpPr>
-        <p:spPr>
-          <a:xfrm>
-            <a:off x="2016057" y="4441820"/>
-            <a:ext cx="7944717" cy="1206230"/>
-          </a:xfrm>
-          <a:prstGeom prst="rect">
-            <a:avLst/>
-          </a:prstGeom>
-          <a:solidFill>
-            <a:schemeClr val="accent2">
-              <a:lumMod val="75000"/>
-            </a:schemeClr>
-          </a:solidFill>
-        </p:spPr>
-        <p:txBody>
-          <a:bodyPr>
-            <a:normAutofit fontScale="77500" lnSpcReduction="20000"/>
-          </a:bodyPr>
-          <a:lstStyle>
-            <a:lvl1pPr algn="l" defTabSz="914400" rtl="0" eaLnBrk="1" latinLnBrk="0" hangingPunct="1">
-              <a:lnSpc>
-                <a:spcPct val="90000"/>
-              </a:lnSpc>
-              <a:spcBef>
-                <a:spcPct val="0"/>
-              </a:spcBef>
-              <a:buNone/>
-              <a:defRPr sz="4400" kern="1200">
-                <a:solidFill>
-                  <a:schemeClr val="tx1"/>
-                </a:solidFill>
-                <a:latin typeface="+mj-lt"/>
-                <a:ea typeface="+mj-ea"/>
-                <a:cs typeface="+mj-cs"/>
-              </a:defRPr>
-            </a:lvl1pPr>
-          </a:lstStyle>
-          <a:p>
-            <a:pPr marL="571500" indent="-571500">
-              <a:buFont typeface="Wingdings" panose="05000000000000000000" pitchFamily="2" charset="2"/>
-              <a:buChar char="ü"/>
-            </a:pPr>
-            <a:r>
-              <a:rPr lang="en-US" dirty="0"/>
-              <a:t>70% of girls agree that they would choose to study Computing after using the </a:t>
-            </a:r>
-            <a:r>
-              <a:rPr lang="en-US" dirty="0" err="1"/>
-              <a:t>micro:bit</a:t>
-            </a:r>
-            <a:r>
-              <a:rPr lang="en-US" dirty="0"/>
-              <a:t>.</a:t>
-            </a:r>
-          </a:p>
-        </p:txBody>
-      </p:sp>
     </p:spTree>
     <p:extLst>
       <p:ext uri="{BB962C8B-B14F-4D97-AF65-F5344CB8AC3E}">
@@ -5576,285 +4956,6 @@
                                   </p:childTnLst>
                                 </p:cTn>
                               </p:par>
-                              <p:par>
-                                <p:cTn id="23" presetID="42" presetClass="entr" presetSubtype="0" fill="hold" grpId="0" nodeType="withEffect">
-                                  <p:stCondLst>
-                                    <p:cond delay="0"/>
-                                  </p:stCondLst>
-                                  <p:childTnLst>
-                                    <p:set>
-                                      <p:cBhvr>
-                                        <p:cTn id="24" dur="1" fill="hold">
-                                          <p:stCondLst>
-                                            <p:cond delay="0"/>
-                                          </p:stCondLst>
-                                        </p:cTn>
-                                        <p:tgtEl>
-                                          <p:spTgt spid="9"/>
-                                        </p:tgtEl>
-                                        <p:attrNameLst>
-                                          <p:attrName>style.visibility</p:attrName>
-                                        </p:attrNameLst>
-                                      </p:cBhvr>
-                                      <p:to>
-                                        <p:strVal val="visible"/>
-                                      </p:to>
-                                    </p:set>
-                                    <p:animEffect transition="in" filter="fade">
-                                      <p:cBhvr>
-                                        <p:cTn id="25" dur="1000"/>
-                                        <p:tgtEl>
-                                          <p:spTgt spid="9"/>
-                                        </p:tgtEl>
-                                      </p:cBhvr>
-                                    </p:animEffect>
-                                    <p:anim calcmode="lin" valueType="num">
-                                      <p:cBhvr>
-                                        <p:cTn id="26" dur="1000" fill="hold"/>
-                                        <p:tgtEl>
-                                          <p:spTgt spid="9"/>
-                                        </p:tgtEl>
-                                        <p:attrNameLst>
-                                          <p:attrName>ppt_x</p:attrName>
-                                        </p:attrNameLst>
-                                      </p:cBhvr>
-                                      <p:tavLst>
-                                        <p:tav tm="0">
-                                          <p:val>
-                                            <p:strVal val="#ppt_x"/>
-                                          </p:val>
-                                        </p:tav>
-                                        <p:tav tm="100000">
-                                          <p:val>
-                                            <p:strVal val="#ppt_x"/>
-                                          </p:val>
-                                        </p:tav>
-                                      </p:tavLst>
-                                    </p:anim>
-                                    <p:anim calcmode="lin" valueType="num">
-                                      <p:cBhvr>
-                                        <p:cTn id="27" dur="1000" fill="hold"/>
-                                        <p:tgtEl>
-                                          <p:spTgt spid="9"/>
-                                        </p:tgtEl>
-                                        <p:attrNameLst>
-                                          <p:attrName>ppt_y</p:attrName>
-                                        </p:attrNameLst>
-                                      </p:cBhvr>
-                                      <p:tavLst>
-                                        <p:tav tm="0">
-                                          <p:val>
-                                            <p:strVal val="#ppt_y+.1"/>
-                                          </p:val>
-                                        </p:tav>
-                                        <p:tav tm="100000">
-                                          <p:val>
-                                            <p:strVal val="#ppt_y"/>
-                                          </p:val>
-                                        </p:tav>
-                                      </p:tavLst>
-                                    </p:anim>
-                                  </p:childTnLst>
-                                </p:cTn>
-                              </p:par>
-                            </p:childTnLst>
-                          </p:cTn>
-                        </p:par>
-                      </p:childTnLst>
-                    </p:cTn>
-                  </p:par>
-                  <p:par>
-                    <p:cTn id="28" fill="hold">
-                      <p:stCondLst>
-                        <p:cond delay="indefinite"/>
-                      </p:stCondLst>
-                      <p:childTnLst>
-                        <p:par>
-                          <p:cTn id="29" fill="hold">
-                            <p:stCondLst>
-                              <p:cond delay="0"/>
-                            </p:stCondLst>
-                            <p:childTnLst>
-                              <p:par>
-                                <p:cTn id="30" presetID="42" presetClass="entr" presetSubtype="0" fill="hold" grpId="0" nodeType="clickEffect">
-                                  <p:stCondLst>
-                                    <p:cond delay="0"/>
-                                  </p:stCondLst>
-                                  <p:childTnLst>
-                                    <p:set>
-                                      <p:cBhvr>
-                                        <p:cTn id="31" dur="1" fill="hold">
-                                          <p:stCondLst>
-                                            <p:cond delay="0"/>
-                                          </p:stCondLst>
-                                        </p:cTn>
-                                        <p:tgtEl>
-                                          <p:spTgt spid="10"/>
-                                        </p:tgtEl>
-                                        <p:attrNameLst>
-                                          <p:attrName>style.visibility</p:attrName>
-                                        </p:attrNameLst>
-                                      </p:cBhvr>
-                                      <p:to>
-                                        <p:strVal val="visible"/>
-                                      </p:to>
-                                    </p:set>
-                                    <p:animEffect transition="in" filter="fade">
-                                      <p:cBhvr>
-                                        <p:cTn id="32" dur="1000"/>
-                                        <p:tgtEl>
-                                          <p:spTgt spid="10"/>
-                                        </p:tgtEl>
-                                      </p:cBhvr>
-                                    </p:animEffect>
-                                    <p:anim calcmode="lin" valueType="num">
-                                      <p:cBhvr>
-                                        <p:cTn id="33" dur="1000" fill="hold"/>
-                                        <p:tgtEl>
-                                          <p:spTgt spid="10"/>
-                                        </p:tgtEl>
-                                        <p:attrNameLst>
-                                          <p:attrName>ppt_x</p:attrName>
-                                        </p:attrNameLst>
-                                      </p:cBhvr>
-                                      <p:tavLst>
-                                        <p:tav tm="0">
-                                          <p:val>
-                                            <p:strVal val="#ppt_x"/>
-                                          </p:val>
-                                        </p:tav>
-                                        <p:tav tm="100000">
-                                          <p:val>
-                                            <p:strVal val="#ppt_x"/>
-                                          </p:val>
-                                        </p:tav>
-                                      </p:tavLst>
-                                    </p:anim>
-                                    <p:anim calcmode="lin" valueType="num">
-                                      <p:cBhvr>
-                                        <p:cTn id="34" dur="1000" fill="hold"/>
-                                        <p:tgtEl>
-                                          <p:spTgt spid="10"/>
-                                        </p:tgtEl>
-                                        <p:attrNameLst>
-                                          <p:attrName>ppt_y</p:attrName>
-                                        </p:attrNameLst>
-                                      </p:cBhvr>
-                                      <p:tavLst>
-                                        <p:tav tm="0">
-                                          <p:val>
-                                            <p:strVal val="#ppt_y+.1"/>
-                                          </p:val>
-                                        </p:tav>
-                                        <p:tav tm="100000">
-                                          <p:val>
-                                            <p:strVal val="#ppt_y"/>
-                                          </p:val>
-                                        </p:tav>
-                                      </p:tavLst>
-                                    </p:anim>
-                                  </p:childTnLst>
-                                </p:cTn>
-                              </p:par>
-                            </p:childTnLst>
-                          </p:cTn>
-                        </p:par>
-                      </p:childTnLst>
-                    </p:cTn>
-                  </p:par>
-                  <p:par>
-                    <p:cTn id="35" fill="hold">
-                      <p:stCondLst>
-                        <p:cond delay="indefinite"/>
-                      </p:stCondLst>
-                      <p:childTnLst>
-                        <p:par>
-                          <p:cTn id="36" fill="hold">
-                            <p:stCondLst>
-                              <p:cond delay="0"/>
-                            </p:stCondLst>
-                            <p:childTnLst>
-                              <p:par>
-                                <p:cTn id="37" presetID="42" presetClass="entr" presetSubtype="0" fill="hold" grpId="0" nodeType="clickEffect">
-                                  <p:stCondLst>
-                                    <p:cond delay="0"/>
-                                  </p:stCondLst>
-                                  <p:childTnLst>
-                                    <p:set>
-                                      <p:cBhvr>
-                                        <p:cTn id="38" dur="1" fill="hold">
-                                          <p:stCondLst>
-                                            <p:cond delay="0"/>
-                                          </p:stCondLst>
-                                        </p:cTn>
-                                        <p:tgtEl>
-                                          <p:spTgt spid="11"/>
-                                        </p:tgtEl>
-                                        <p:attrNameLst>
-                                          <p:attrName>style.visibility</p:attrName>
-                                        </p:attrNameLst>
-                                      </p:cBhvr>
-                                      <p:to>
-                                        <p:strVal val="visible"/>
-                                      </p:to>
-                                    </p:set>
-                                    <p:animEffect transition="in" filter="fade">
-                                      <p:cBhvr>
-                                        <p:cTn id="39" dur="1000"/>
-                                        <p:tgtEl>
-                                          <p:spTgt spid="11"/>
-                                        </p:tgtEl>
-                                      </p:cBhvr>
-                                    </p:animEffect>
-                                    <p:anim calcmode="lin" valueType="num">
-                                      <p:cBhvr>
-                                        <p:cTn id="40" dur="1000" fill="hold"/>
-                                        <p:tgtEl>
-                                          <p:spTgt spid="11"/>
-                                        </p:tgtEl>
-                                        <p:attrNameLst>
-                                          <p:attrName>ppt_x</p:attrName>
-                                        </p:attrNameLst>
-                                      </p:cBhvr>
-                                      <p:tavLst>
-                                        <p:tav tm="0">
-                                          <p:val>
-                                            <p:strVal val="#ppt_x"/>
-                                          </p:val>
-                                        </p:tav>
-                                        <p:tav tm="100000">
-                                          <p:val>
-                                            <p:strVal val="#ppt_x"/>
-                                          </p:val>
-                                        </p:tav>
-                                      </p:tavLst>
-                                    </p:anim>
-                                    <p:anim calcmode="lin" valueType="num">
-                                      <p:cBhvr>
-                                        <p:cTn id="41" dur="1000" fill="hold"/>
-                                        <p:tgtEl>
-                                          <p:spTgt spid="11"/>
-                                        </p:tgtEl>
-                                        <p:attrNameLst>
-                                          <p:attrName>ppt_y</p:attrName>
-                                        </p:attrNameLst>
-                                      </p:cBhvr>
-                                      <p:tavLst>
-                                        <p:tav tm="0">
-                                          <p:val>
-                                            <p:strVal val="#ppt_y+.1"/>
-                                          </p:val>
-                                        </p:tav>
-                                        <p:tav tm="100000">
-                                          <p:val>
-                                            <p:strVal val="#ppt_y"/>
-                                          </p:val>
-                                        </p:tav>
-                                      </p:tavLst>
-                                    </p:anim>
-                                  </p:childTnLst>
-                                </p:cTn>
-                              </p:par>
                             </p:childTnLst>
                           </p:cTn>
                         </p:par>
@@ -5885,929 +4986,12 @@
     <p:bldLst>
       <p:bldP spid="5" grpId="0" animBg="1"/>
       <p:bldP spid="5" grpId="1" animBg="1"/>
-      <p:bldP spid="9" grpId="0" animBg="1"/>
-      <p:bldP spid="10" grpId="0" animBg="1"/>
-      <p:bldP spid="11" grpId="0" animBg="1"/>
     </p:bldLst>
   </p:timing>
 </p:sld>
 </file>
 
 <file path=ppt/slides/slide3.xml><?xml version="1.0" encoding="utf-8"?>
-<p:sld xmlns:a="http://schemas.openxmlformats.org/drawingml/2006/main" xmlns:r="http://schemas.openxmlformats.org/officeDocument/2006/relationships" xmlns:p="http://schemas.openxmlformats.org/presentationml/2006/main">
-  <p:cSld>
-    <p:spTree>
-      <p:nvGrpSpPr>
-        <p:cNvPr id="1" name=""/>
-        <p:cNvGrpSpPr/>
-        <p:nvPr/>
-      </p:nvGrpSpPr>
-      <p:grpSpPr>
-        <a:xfrm>
-          <a:off x="0" y="0"/>
-          <a:ext cx="0" cy="0"/>
-          <a:chOff x="0" y="0"/>
-          <a:chExt cx="0" cy="0"/>
-        </a:xfrm>
-      </p:grpSpPr>
-      <p:sp>
-        <p:nvSpPr>
-          <p:cNvPr id="3" name="TextBox 2"/>
-          <p:cNvSpPr txBox="1"/>
-          <p:nvPr/>
-        </p:nvSpPr>
-        <p:spPr>
-          <a:xfrm>
-            <a:off x="3337504" y="782739"/>
-            <a:ext cx="9859989" cy="1107996"/>
-          </a:xfrm>
-          <a:prstGeom prst="rect">
-            <a:avLst/>
-          </a:prstGeom>
-          <a:noFill/>
-        </p:spPr>
-        <p:txBody>
-          <a:bodyPr wrap="square" rtlCol="0">
-            <a:spAutoFit/>
-          </a:bodyPr>
-          <a:lstStyle/>
-          <a:p>
-            <a:r>
-              <a:rPr lang="en-US" sz="6600" dirty="0">
-                <a:effectLst>
-                  <a:outerShdw blurRad="50800" dist="38100" dir="10800000" algn="r" rotWithShape="0">
-                    <a:prstClr val="black">
-                      <a:alpha val="40000"/>
-                    </a:prstClr>
-                  </a:outerShdw>
-                </a:effectLst>
-              </a:rPr>
-              <a:t>Game Time!</a:t>
-            </a:r>
-          </a:p>
-        </p:txBody>
-      </p:sp>
-      <p:sp>
-        <p:nvSpPr>
-          <p:cNvPr id="4" name="TextBox 3"/>
-          <p:cNvSpPr txBox="1"/>
-          <p:nvPr/>
-        </p:nvSpPr>
-        <p:spPr>
-          <a:xfrm>
-            <a:off x="3022143" y="1948491"/>
-            <a:ext cx="5078057" cy="1846659"/>
-          </a:xfrm>
-          <a:prstGeom prst="rect">
-            <a:avLst/>
-          </a:prstGeom>
-          <a:noFill/>
-        </p:spPr>
-        <p:txBody>
-          <a:bodyPr wrap="none" rtlCol="0">
-            <a:spAutoFit/>
-          </a:bodyPr>
-          <a:lstStyle/>
-          <a:p>
-            <a:endParaRPr lang="en-US" dirty="0"/>
-          </a:p>
-          <a:p>
-            <a:pPr algn="ctr"/>
-            <a:r>
-              <a:rPr lang="en-US" sz="3200" dirty="0"/>
-              <a:t>There is a disease outbreak!  </a:t>
-            </a:r>
-          </a:p>
-          <a:p>
-            <a:pPr algn="ctr"/>
-            <a:r>
-              <a:rPr lang="en-US" sz="3200" dirty="0"/>
-              <a:t>Will you survive?!?</a:t>
-            </a:r>
-          </a:p>
-          <a:p>
-            <a:pPr algn="ctr"/>
-            <a:r>
-              <a:rPr lang="en-US" sz="3200" dirty="0"/>
-              <a:t>Who is patient zero?!?</a:t>
-            </a:r>
-          </a:p>
-        </p:txBody>
-      </p:sp>
-      <p:pic>
-        <p:nvPicPr>
-          <p:cNvPr id="7" name="Picture 6"/>
-          <p:cNvPicPr>
-            <a:picLocks noChangeAspect="1"/>
-          </p:cNvPicPr>
-          <p:nvPr/>
-        </p:nvPicPr>
-        <p:blipFill>
-          <a:blip r:embed="rId3"/>
-          <a:stretch>
-            <a:fillRect/>
-          </a:stretch>
-        </p:blipFill>
-        <p:spPr>
-          <a:xfrm>
-            <a:off x="4127660" y="4052887"/>
-            <a:ext cx="2867025" cy="2428875"/>
-          </a:xfrm>
-          <a:prstGeom prst="rect">
-            <a:avLst/>
-          </a:prstGeom>
-        </p:spPr>
-      </p:pic>
-    </p:spTree>
-    <p:extLst>
-      <p:ext uri="{BB962C8B-B14F-4D97-AF65-F5344CB8AC3E}">
-        <p14:creationId xmlns:p14="http://schemas.microsoft.com/office/powerpoint/2010/main" val="1948513051"/>
-      </p:ext>
-    </p:extLst>
-  </p:cSld>
-  <p:clrMapOvr>
-    <a:masterClrMapping/>
-  </p:clrMapOvr>
-  <mc:AlternateContent xmlns:mc="http://schemas.openxmlformats.org/markup-compatibility/2006" xmlns:p14="http://schemas.microsoft.com/office/powerpoint/2010/main">
-    <mc:Choice Requires="p14">
-      <p:transition spd="slow" p14:dur="3400">
-        <p14:reveal/>
-      </p:transition>
-    </mc:Choice>
-    <mc:Fallback xmlns="">
-      <p:transition spd="slow">
-        <p:fade/>
-      </p:transition>
-    </mc:Fallback>
-  </mc:AlternateContent>
-</p:sld>
-</file>
-
-<file path=ppt/slides/slide4.xml><?xml version="1.0" encoding="utf-8"?>
-<p:sld xmlns:a="http://schemas.openxmlformats.org/drawingml/2006/main" xmlns:r="http://schemas.openxmlformats.org/officeDocument/2006/relationships" xmlns:p="http://schemas.openxmlformats.org/presentationml/2006/main">
-  <p:cSld>
-    <p:spTree>
-      <p:nvGrpSpPr>
-        <p:cNvPr id="1" name=""/>
-        <p:cNvGrpSpPr/>
-        <p:nvPr/>
-      </p:nvGrpSpPr>
-      <p:grpSpPr>
-        <a:xfrm>
-          <a:off x="0" y="0"/>
-          <a:ext cx="0" cy="0"/>
-          <a:chOff x="0" y="0"/>
-          <a:chExt cx="0" cy="0"/>
-        </a:xfrm>
-      </p:grpSpPr>
-      <p:graphicFrame>
-        <p:nvGraphicFramePr>
-          <p:cNvPr id="19" name="Table 18"/>
-          <p:cNvGraphicFramePr>
-            <a:graphicFrameLocks noGrp="1"/>
-          </p:cNvGraphicFramePr>
-          <p:nvPr>
-            <p:extLst>
-              <p:ext uri="{D42A27DB-BD31-4B8C-83A1-F6EECF244321}">
-                <p14:modId xmlns:p14="http://schemas.microsoft.com/office/powerpoint/2010/main" val="2763067945"/>
-              </p:ext>
-            </p:extLst>
-          </p:nvPr>
-        </p:nvGraphicFramePr>
-        <p:xfrm>
-          <a:off x="956671" y="4558490"/>
-          <a:ext cx="8770990" cy="1929451"/>
-        </p:xfrm>
-        <a:graphic>
-          <a:graphicData uri="http://schemas.openxmlformats.org/drawingml/2006/table">
-            <a:tbl>
-              <a:tblPr firstRow="1" bandRow="1">
-                <a:tableStyleId>{21E4AEA4-8DFA-4A89-87EB-49C32662AFE0}</a:tableStyleId>
-              </a:tblPr>
-              <a:tblGrid>
-                <a:gridCol w="1754198">
-                  <a:extLst>
-                    <a:ext uri="{9D8B030D-6E8A-4147-A177-3AD203B41FA5}">
-                      <a16:colId xmlns:a16="http://schemas.microsoft.com/office/drawing/2014/main" val="1626274073"/>
-                    </a:ext>
-                  </a:extLst>
-                </a:gridCol>
-                <a:gridCol w="1754198">
-                  <a:extLst>
-                    <a:ext uri="{9D8B030D-6E8A-4147-A177-3AD203B41FA5}">
-                      <a16:colId xmlns:a16="http://schemas.microsoft.com/office/drawing/2014/main" val="2618856843"/>
-                    </a:ext>
-                  </a:extLst>
-                </a:gridCol>
-                <a:gridCol w="1754198">
-                  <a:extLst>
-                    <a:ext uri="{9D8B030D-6E8A-4147-A177-3AD203B41FA5}">
-                      <a16:colId xmlns:a16="http://schemas.microsoft.com/office/drawing/2014/main" val="2454776063"/>
-                    </a:ext>
-                  </a:extLst>
-                </a:gridCol>
-                <a:gridCol w="1754198">
-                  <a:extLst>
-                    <a:ext uri="{9D8B030D-6E8A-4147-A177-3AD203B41FA5}">
-                      <a16:colId xmlns:a16="http://schemas.microsoft.com/office/drawing/2014/main" val="494891308"/>
-                    </a:ext>
-                  </a:extLst>
-                </a:gridCol>
-                <a:gridCol w="1754198">
-                  <a:extLst>
-                    <a:ext uri="{9D8B030D-6E8A-4147-A177-3AD203B41FA5}">
-                      <a16:colId xmlns:a16="http://schemas.microsoft.com/office/drawing/2014/main" val="3801314318"/>
-                    </a:ext>
-                  </a:extLst>
-                </a:gridCol>
-              </a:tblGrid>
-              <a:tr h="351373">
-                <a:tc>
-                  <a:txBody>
-                    <a:bodyPr/>
-                    <a:lstStyle/>
-                    <a:p>
-                      <a:r>
-                        <a:rPr lang="en-US" dirty="0"/>
-                        <a:t>Game</a:t>
-                      </a:r>
-                      <a:r>
-                        <a:rPr lang="en-US" baseline="0" dirty="0"/>
-                        <a:t> Starting</a:t>
-                      </a:r>
-                      <a:endParaRPr lang="en-US" b="1" dirty="0"/>
-                    </a:p>
-                  </a:txBody>
-                  <a:tcPr/>
-                </a:tc>
-                <a:tc>
-                  <a:txBody>
-                    <a:bodyPr/>
-                    <a:lstStyle/>
-                    <a:p>
-                      <a:r>
-                        <a:rPr lang="en-US" dirty="0"/>
-                        <a:t>Healthy</a:t>
-                      </a:r>
-                      <a:endParaRPr lang="en-US" b="1" dirty="0"/>
-                    </a:p>
-                  </a:txBody>
-                  <a:tcPr/>
-                </a:tc>
-                <a:tc>
-                  <a:txBody>
-                    <a:bodyPr/>
-                    <a:lstStyle/>
-                    <a:p>
-                      <a:r>
-                        <a:rPr lang="en-US" dirty="0"/>
-                        <a:t>Incubating</a:t>
-                      </a:r>
-                    </a:p>
-                  </a:txBody>
-                  <a:tcPr/>
-                </a:tc>
-                <a:tc>
-                  <a:txBody>
-                    <a:bodyPr/>
-                    <a:lstStyle/>
-                    <a:p>
-                      <a:r>
-                        <a:rPr lang="en-US" dirty="0"/>
-                        <a:t>Sick</a:t>
-                      </a:r>
-                    </a:p>
-                  </a:txBody>
-                  <a:tcPr/>
-                </a:tc>
-                <a:tc>
-                  <a:txBody>
-                    <a:bodyPr/>
-                    <a:lstStyle/>
-                    <a:p>
-                      <a:r>
-                        <a:rPr lang="en-US" dirty="0"/>
-                        <a:t>Dead</a:t>
-                      </a:r>
-                    </a:p>
-                  </a:txBody>
-                  <a:tcPr/>
-                </a:tc>
-                <a:extLst>
-                  <a:ext uri="{0D108BD9-81ED-4DB2-BD59-A6C34878D82A}">
-                    <a16:rowId xmlns:a16="http://schemas.microsoft.com/office/drawing/2014/main" val="394770040"/>
-                  </a:ext>
-                </a:extLst>
-              </a:tr>
-              <a:tr h="351373">
-                <a:tc>
-                  <a:txBody>
-                    <a:bodyPr/>
-                    <a:lstStyle/>
-                    <a:p>
-                      <a:r>
-                        <a:rPr lang="en-US" dirty="0"/>
-                        <a:t>Ghost</a:t>
-                      </a:r>
-                    </a:p>
-                  </a:txBody>
-                  <a:tcPr/>
-                </a:tc>
-                <a:tc>
-                  <a:txBody>
-                    <a:bodyPr/>
-                    <a:lstStyle/>
-                    <a:p>
-                      <a:r>
-                        <a:rPr lang="en-US" dirty="0"/>
-                        <a:t>Happy</a:t>
-                      </a:r>
-                    </a:p>
-                  </a:txBody>
-                  <a:tcPr/>
-                </a:tc>
-                <a:tc>
-                  <a:txBody>
-                    <a:bodyPr/>
-                    <a:lstStyle/>
-                    <a:p>
-                      <a:r>
-                        <a:rPr lang="en-US" dirty="0"/>
-                        <a:t>Confused</a:t>
-                      </a:r>
-                    </a:p>
-                  </a:txBody>
-                  <a:tcPr/>
-                </a:tc>
-                <a:tc>
-                  <a:txBody>
-                    <a:bodyPr/>
-                    <a:lstStyle/>
-                    <a:p>
-                      <a:r>
-                        <a:rPr lang="en-US" dirty="0"/>
-                        <a:t>Sad</a:t>
-                      </a:r>
-                    </a:p>
-                  </a:txBody>
-                  <a:tcPr/>
-                </a:tc>
-                <a:tc>
-                  <a:txBody>
-                    <a:bodyPr/>
-                    <a:lstStyle/>
-                    <a:p>
-                      <a:r>
-                        <a:rPr lang="en-US" dirty="0"/>
-                        <a:t>Skull</a:t>
-                      </a:r>
-                    </a:p>
-                  </a:txBody>
-                  <a:tcPr/>
-                </a:tc>
-                <a:extLst>
-                  <a:ext uri="{0D108BD9-81ED-4DB2-BD59-A6C34878D82A}">
-                    <a16:rowId xmlns:a16="http://schemas.microsoft.com/office/drawing/2014/main" val="4285370228"/>
-                  </a:ext>
-                </a:extLst>
-              </a:tr>
-              <a:tr h="1197931">
-                <a:tc>
-                  <a:txBody>
-                    <a:bodyPr/>
-                    <a:lstStyle/>
-                    <a:p>
-                      <a:endParaRPr lang="en-US" dirty="0"/>
-                    </a:p>
-                  </a:txBody>
-                  <a:tcPr/>
-                </a:tc>
-                <a:tc>
-                  <a:txBody>
-                    <a:bodyPr/>
-                    <a:lstStyle/>
-                    <a:p>
-                      <a:endParaRPr lang="en-US" dirty="0"/>
-                    </a:p>
-                  </a:txBody>
-                  <a:tcPr/>
-                </a:tc>
-                <a:tc>
-                  <a:txBody>
-                    <a:bodyPr/>
-                    <a:lstStyle/>
-                    <a:p>
-                      <a:endParaRPr lang="en-US"/>
-                    </a:p>
-                  </a:txBody>
-                  <a:tcPr/>
-                </a:tc>
-                <a:tc>
-                  <a:txBody>
-                    <a:bodyPr/>
-                    <a:lstStyle/>
-                    <a:p>
-                      <a:endParaRPr lang="en-US" dirty="0"/>
-                    </a:p>
-                  </a:txBody>
-                  <a:tcPr/>
-                </a:tc>
-                <a:tc>
-                  <a:txBody>
-                    <a:bodyPr/>
-                    <a:lstStyle/>
-                    <a:p>
-                      <a:endParaRPr lang="en-US" dirty="0"/>
-                    </a:p>
-                  </a:txBody>
-                  <a:tcPr/>
-                </a:tc>
-                <a:extLst>
-                  <a:ext uri="{0D108BD9-81ED-4DB2-BD59-A6C34878D82A}">
-                    <a16:rowId xmlns:a16="http://schemas.microsoft.com/office/drawing/2014/main" val="3759248016"/>
-                  </a:ext>
-                </a:extLst>
-              </a:tr>
-            </a:tbl>
-          </a:graphicData>
-        </a:graphic>
-      </p:graphicFrame>
-      <p:sp>
-        <p:nvSpPr>
-          <p:cNvPr id="5" name="Title 2"/>
-          <p:cNvSpPr txBox="1">
-            <a:spLocks/>
-          </p:cNvSpPr>
-          <p:nvPr/>
-        </p:nvSpPr>
-        <p:spPr>
-          <a:xfrm>
-            <a:off x="125677" y="30049"/>
-            <a:ext cx="10000390" cy="760707"/>
-          </a:xfrm>
-          <a:prstGeom prst="rect">
-            <a:avLst/>
-          </a:prstGeom>
-        </p:spPr>
-        <p:txBody>
-          <a:bodyPr>
-            <a:normAutofit/>
-          </a:bodyPr>
-          <a:lstStyle>
-            <a:lvl1pPr algn="l" defTabSz="914400" rtl="0" eaLnBrk="1" latinLnBrk="0" hangingPunct="1">
-              <a:lnSpc>
-                <a:spcPct val="90000"/>
-              </a:lnSpc>
-              <a:spcBef>
-                <a:spcPct val="0"/>
-              </a:spcBef>
-              <a:buNone/>
-              <a:defRPr sz="4400" kern="1200">
-                <a:solidFill>
-                  <a:schemeClr val="tx1"/>
-                </a:solidFill>
-                <a:latin typeface="+mj-lt"/>
-                <a:ea typeface="+mj-ea"/>
-                <a:cs typeface="+mj-cs"/>
-              </a:defRPr>
-            </a:lvl1pPr>
-          </a:lstStyle>
-          <a:p>
-            <a:r>
-              <a:rPr lang="en-US" dirty="0">
-                <a:ln w="0"/>
-                <a:effectLst>
-                  <a:outerShdw blurRad="38100" dist="19050" dir="2700000" algn="tl" rotWithShape="0">
-                    <a:schemeClr val="dk1">
-                      <a:alpha val="40000"/>
-                    </a:schemeClr>
-                  </a:outerShdw>
-                </a:effectLst>
-              </a:rPr>
-              <a:t>Mission: Stop the outbreak on your team!</a:t>
-            </a:r>
-          </a:p>
-          <a:p>
-            <a:endParaRPr lang="en-US" dirty="0">
-              <a:ln w="0"/>
-              <a:effectLst>
-                <a:outerShdw blurRad="38100" dist="19050" dir="2700000" algn="tl" rotWithShape="0">
-                  <a:schemeClr val="dk1">
-                    <a:alpha val="40000"/>
-                  </a:schemeClr>
-                </a:outerShdw>
-              </a:effectLst>
-            </a:endParaRPr>
-          </a:p>
-          <a:p>
-            <a:endParaRPr lang="en-US" dirty="0">
-              <a:ln w="0"/>
-              <a:effectLst>
-                <a:outerShdw blurRad="38100" dist="19050" dir="2700000" algn="tl" rotWithShape="0">
-                  <a:schemeClr val="dk1">
-                    <a:alpha val="40000"/>
-                  </a:schemeClr>
-                </a:outerShdw>
-              </a:effectLst>
-            </a:endParaRPr>
-          </a:p>
-          <a:p>
-            <a:endParaRPr lang="en-US" dirty="0"/>
-          </a:p>
-        </p:txBody>
-      </p:sp>
-      <p:sp>
-        <p:nvSpPr>
-          <p:cNvPr id="10" name="Title 2"/>
-          <p:cNvSpPr txBox="1">
-            <a:spLocks/>
-          </p:cNvSpPr>
-          <p:nvPr/>
-        </p:nvSpPr>
-        <p:spPr>
-          <a:xfrm>
-            <a:off x="430968" y="782471"/>
-            <a:ext cx="11413729" cy="3575519"/>
-          </a:xfrm>
-          <a:prstGeom prst="rect">
-            <a:avLst/>
-          </a:prstGeom>
-        </p:spPr>
-        <p:txBody>
-          <a:bodyPr>
-            <a:normAutofit fontScale="25000" lnSpcReduction="20000"/>
-          </a:bodyPr>
-          <a:lstStyle>
-            <a:lvl1pPr algn="l" defTabSz="914400" rtl="0" eaLnBrk="1" latinLnBrk="0" hangingPunct="1">
-              <a:lnSpc>
-                <a:spcPct val="90000"/>
-              </a:lnSpc>
-              <a:spcBef>
-                <a:spcPct val="0"/>
-              </a:spcBef>
-              <a:buNone/>
-              <a:defRPr sz="4400" kern="1200">
-                <a:solidFill>
-                  <a:schemeClr val="tx1"/>
-                </a:solidFill>
-                <a:latin typeface="+mj-lt"/>
-                <a:ea typeface="+mj-ea"/>
-                <a:cs typeface="+mj-cs"/>
-              </a:defRPr>
-            </a:lvl1pPr>
-          </a:lstStyle>
-          <a:p>
-            <a:pPr>
-              <a:spcBef>
-                <a:spcPts val="600"/>
-              </a:spcBef>
-              <a:spcAft>
-                <a:spcPts val="600"/>
-              </a:spcAft>
-            </a:pPr>
-            <a:r>
-              <a:rPr lang="en-US" sz="9600" b="1" dirty="0"/>
-              <a:t>Patient Zero </a:t>
-            </a:r>
-          </a:p>
-          <a:p>
-            <a:pPr marL="1028700" lvl="1" indent="-571500">
-              <a:spcAft>
-                <a:spcPts val="600"/>
-              </a:spcAft>
-              <a:buFont typeface="Arial" panose="020B0604020202020204" pitchFamily="34" charset="0"/>
-              <a:buChar char="•"/>
-            </a:pPr>
-            <a:r>
-              <a:rPr lang="en-US" sz="7000" dirty="0"/>
-              <a:t>Randomly infected with the illness and is contagious, but shows </a:t>
-            </a:r>
-            <a:r>
-              <a:rPr lang="en-US" sz="7000" u="sng" dirty="0"/>
-              <a:t>no</a:t>
-            </a:r>
-            <a:r>
-              <a:rPr lang="en-US" sz="7000" dirty="0"/>
-              <a:t> signs of sickness</a:t>
-            </a:r>
-          </a:p>
-          <a:p>
-            <a:pPr>
-              <a:spcBef>
-                <a:spcPts val="600"/>
-              </a:spcBef>
-              <a:spcAft>
-                <a:spcPts val="600"/>
-              </a:spcAft>
-            </a:pPr>
-            <a:r>
-              <a:rPr lang="en-US" sz="9600" b="1" dirty="0"/>
-              <a:t>Infected Player</a:t>
-            </a:r>
-          </a:p>
-          <a:p>
-            <a:pPr marL="1028700" lvl="1" indent="-571500">
-              <a:spcAft>
-                <a:spcPts val="600"/>
-              </a:spcAft>
-              <a:buFont typeface="Arial" panose="020B0604020202020204" pitchFamily="34" charset="0"/>
-              <a:buChar char="•"/>
-            </a:pPr>
-            <a:r>
-              <a:rPr lang="en-US" sz="7000" dirty="0"/>
-              <a:t>Sickness is transmitted when two </a:t>
-            </a:r>
-            <a:r>
-              <a:rPr lang="en-US" sz="7000" dirty="0" err="1"/>
-              <a:t>micro:bits</a:t>
-            </a:r>
-            <a:r>
-              <a:rPr lang="en-US" sz="7000" dirty="0"/>
-              <a:t> are close enough to spread the disease</a:t>
-            </a:r>
-          </a:p>
-          <a:p>
-            <a:pPr marL="1028700" lvl="1" indent="-571500">
-              <a:spcAft>
-                <a:spcPts val="600"/>
-              </a:spcAft>
-              <a:buFont typeface="Arial" panose="020B0604020202020204" pitchFamily="34" charset="0"/>
-              <a:buChar char="•"/>
-            </a:pPr>
-            <a:r>
-              <a:rPr lang="en-US" sz="7000" dirty="0"/>
-              <a:t>Player is contagious immediately, even during incubation time</a:t>
-            </a:r>
-          </a:p>
-          <a:p>
-            <a:pPr>
-              <a:spcBef>
-                <a:spcPts val="600"/>
-              </a:spcBef>
-              <a:spcAft>
-                <a:spcPts val="600"/>
-              </a:spcAft>
-            </a:pPr>
-            <a:r>
-              <a:rPr lang="en-US" sz="9600" b="1" dirty="0"/>
-              <a:t>Dead Player</a:t>
-            </a:r>
-          </a:p>
-          <a:p>
-            <a:pPr marL="1028700" lvl="1" indent="-571500">
-              <a:spcAft>
-                <a:spcPts val="600"/>
-              </a:spcAft>
-              <a:buFont typeface="Arial" panose="020B0604020202020204" pitchFamily="34" charset="0"/>
-              <a:buChar char="•"/>
-            </a:pPr>
-            <a:r>
-              <a:rPr lang="en-US" sz="7000" dirty="0"/>
-              <a:t>Dead players are non-contagious and out of the game</a:t>
-            </a:r>
-            <a:endParaRPr lang="en-US" sz="9600" dirty="0"/>
-          </a:p>
-          <a:p>
-            <a:pPr>
-              <a:spcBef>
-                <a:spcPts val="600"/>
-              </a:spcBef>
-            </a:pPr>
-            <a:r>
-              <a:rPr lang="en-US" sz="9600" b="1" dirty="0"/>
-              <a:t>Game Over</a:t>
-            </a:r>
-          </a:p>
-          <a:p>
-            <a:pPr marL="1028700" lvl="1" indent="-571500">
-              <a:spcAft>
-                <a:spcPts val="600"/>
-              </a:spcAft>
-              <a:buFont typeface="Arial" panose="020B0604020202020204" pitchFamily="34" charset="0"/>
-              <a:buChar char="•"/>
-            </a:pPr>
-            <a:r>
-              <a:rPr lang="en-US" sz="7000" dirty="0"/>
-              <a:t>Game stops when all players are dead</a:t>
-            </a:r>
-          </a:p>
-          <a:p>
-            <a:pPr marL="1028700" lvl="1" indent="-571500">
-              <a:spcAft>
-                <a:spcPts val="600"/>
-              </a:spcAft>
-              <a:buFont typeface="Arial" panose="020B0604020202020204" pitchFamily="34" charset="0"/>
-              <a:buChar char="•"/>
-            </a:pPr>
-            <a:r>
-              <a:rPr lang="en-US" sz="7000" dirty="0"/>
-              <a:t>Or, if at least one player on your team is healthy, your team has stopped the outbreak and won the game</a:t>
-            </a:r>
-            <a:endParaRPr lang="en-US" sz="9600" b="1" dirty="0"/>
-          </a:p>
-          <a:p>
-            <a:pPr>
-              <a:spcBef>
-                <a:spcPts val="600"/>
-              </a:spcBef>
-            </a:pPr>
-            <a:r>
-              <a:rPr lang="en-US" sz="9600" b="1" dirty="0"/>
-              <a:t>Health Stages</a:t>
-            </a:r>
-            <a:endParaRPr lang="en-US" dirty="0"/>
-          </a:p>
-          <a:p>
-            <a:pPr marL="571500" indent="-571500">
-              <a:buFont typeface="Arial" panose="020B0604020202020204" pitchFamily="34" charset="0"/>
-              <a:buChar char="•"/>
-            </a:pPr>
-            <a:endParaRPr lang="en-US" dirty="0"/>
-          </a:p>
-          <a:p>
-            <a:r>
-              <a:rPr lang="en-US" dirty="0"/>
-              <a:t>  </a:t>
-            </a:r>
-          </a:p>
-          <a:p>
-            <a:endParaRPr lang="en-US" dirty="0"/>
-          </a:p>
-          <a:p>
-            <a:endParaRPr lang="en-US" dirty="0"/>
-          </a:p>
-          <a:p>
-            <a:endParaRPr lang="en-US" dirty="0"/>
-          </a:p>
-          <a:p>
-            <a:endParaRPr lang="en-US" dirty="0"/>
-          </a:p>
-          <a:p>
-            <a:endParaRPr lang="en-US" dirty="0"/>
-          </a:p>
-        </p:txBody>
-      </p:sp>
-      <p:grpSp>
-        <p:nvGrpSpPr>
-          <p:cNvPr id="20" name="Group 19"/>
-          <p:cNvGrpSpPr/>
-          <p:nvPr/>
-        </p:nvGrpSpPr>
-        <p:grpSpPr>
-          <a:xfrm>
-            <a:off x="1050173" y="5297618"/>
-            <a:ext cx="8677487" cy="1190323"/>
-            <a:chOff x="742821" y="4472870"/>
-            <a:chExt cx="9733700" cy="1560383"/>
-          </a:xfrm>
-        </p:grpSpPr>
-        <p:pic>
-          <p:nvPicPr>
-            <p:cNvPr id="4" name="Picture 3"/>
-            <p:cNvPicPr>
-              <a:picLocks noChangeAspect="1"/>
-            </p:cNvPicPr>
-            <p:nvPr/>
-          </p:nvPicPr>
-          <p:blipFill>
-            <a:blip r:embed="rId3"/>
-            <a:stretch>
-              <a:fillRect/>
-            </a:stretch>
-          </p:blipFill>
-          <p:spPr>
-            <a:xfrm>
-              <a:off x="742821" y="4479438"/>
-              <a:ext cx="1909172" cy="1553815"/>
-            </a:xfrm>
-            <a:prstGeom prst="rect">
-              <a:avLst/>
-            </a:prstGeom>
-          </p:spPr>
-        </p:pic>
-        <p:pic>
-          <p:nvPicPr>
-            <p:cNvPr id="7" name="Picture 6"/>
-            <p:cNvPicPr>
-              <a:picLocks noChangeAspect="1"/>
-            </p:cNvPicPr>
-            <p:nvPr/>
-          </p:nvPicPr>
-          <p:blipFill>
-            <a:blip r:embed="rId4"/>
-            <a:stretch>
-              <a:fillRect/>
-            </a:stretch>
-          </p:blipFill>
-          <p:spPr>
-            <a:xfrm>
-              <a:off x="8579603" y="4477478"/>
-              <a:ext cx="1896918" cy="1549207"/>
-            </a:xfrm>
-            <a:prstGeom prst="rect">
-              <a:avLst/>
-            </a:prstGeom>
-          </p:spPr>
-        </p:pic>
-        <p:pic>
-          <p:nvPicPr>
-            <p:cNvPr id="8" name="Picture 7"/>
-            <p:cNvPicPr>
-              <a:picLocks noChangeAspect="1"/>
-            </p:cNvPicPr>
-            <p:nvPr/>
-          </p:nvPicPr>
-          <p:blipFill>
-            <a:blip r:embed="rId5"/>
-            <a:stretch>
-              <a:fillRect/>
-            </a:stretch>
-          </p:blipFill>
-          <p:spPr>
-            <a:xfrm>
-              <a:off x="4636952" y="4472870"/>
-              <a:ext cx="1887268" cy="1553815"/>
-            </a:xfrm>
-            <a:prstGeom prst="rect">
-              <a:avLst/>
-            </a:prstGeom>
-          </p:spPr>
-        </p:pic>
-        <p:pic>
-          <p:nvPicPr>
-            <p:cNvPr id="9" name="Picture 8"/>
-            <p:cNvPicPr>
-              <a:picLocks noChangeAspect="1"/>
-            </p:cNvPicPr>
-            <p:nvPr/>
-          </p:nvPicPr>
-          <p:blipFill>
-            <a:blip r:embed="rId6"/>
-            <a:stretch>
-              <a:fillRect/>
-            </a:stretch>
-          </p:blipFill>
-          <p:spPr>
-            <a:xfrm>
-              <a:off x="6597178" y="4472870"/>
-              <a:ext cx="1909466" cy="1553815"/>
-            </a:xfrm>
-            <a:prstGeom prst="rect">
-              <a:avLst/>
-            </a:prstGeom>
-          </p:spPr>
-        </p:pic>
-        <p:pic>
-          <p:nvPicPr>
-            <p:cNvPr id="6" name="Picture 5"/>
-            <p:cNvPicPr>
-              <a:picLocks noChangeAspect="1"/>
-            </p:cNvPicPr>
-            <p:nvPr/>
-          </p:nvPicPr>
-          <p:blipFill>
-            <a:blip r:embed="rId7"/>
-            <a:stretch>
-              <a:fillRect/>
-            </a:stretch>
-          </p:blipFill>
-          <p:spPr>
-            <a:xfrm>
-              <a:off x="2724952" y="4472870"/>
-              <a:ext cx="1839041" cy="1553815"/>
-            </a:xfrm>
-            <a:prstGeom prst="rect">
-              <a:avLst/>
-            </a:prstGeom>
-          </p:spPr>
-        </p:pic>
-      </p:grpSp>
-    </p:spTree>
-    <p:extLst>
-      <p:ext uri="{BB962C8B-B14F-4D97-AF65-F5344CB8AC3E}">
-        <p14:creationId xmlns:p14="http://schemas.microsoft.com/office/powerpoint/2010/main" val="1668216866"/>
-      </p:ext>
-    </p:extLst>
-  </p:cSld>
-  <p:clrMapOvr>
-    <a:masterClrMapping/>
-  </p:clrMapOvr>
-  <mc:AlternateContent xmlns:mc="http://schemas.openxmlformats.org/markup-compatibility/2006" xmlns:p14="http://schemas.microsoft.com/office/powerpoint/2010/main">
-    <mc:Choice Requires="p14">
-      <p:transition spd="slow" p14:dur="3400">
-        <p14:reveal/>
-      </p:transition>
-    </mc:Choice>
-    <mc:Fallback xmlns="">
-      <p:transition spd="slow">
-        <p:fade/>
-      </p:transition>
-    </mc:Fallback>
-  </mc:AlternateContent>
-</p:sld>
-</file>
-
-<file path=ppt/slides/slide5.xml><?xml version="1.0" encoding="utf-8"?>
 <p:sld xmlns:a="http://schemas.openxmlformats.org/drawingml/2006/main" xmlns:r="http://schemas.openxmlformats.org/officeDocument/2006/relationships" xmlns:p="http://schemas.openxmlformats.org/presentationml/2006/main">
   <p:cSld>
     <p:spTree>
@@ -8624,7 +6808,7 @@
 </p:sld>
 </file>
 
-<file path=ppt/slides/slide6.xml><?xml version="1.0" encoding="utf-8"?>
+<file path=ppt/slides/slide4.xml><?xml version="1.0" encoding="utf-8"?>
 <p:sld xmlns:a="http://schemas.openxmlformats.org/drawingml/2006/main" xmlns:r="http://schemas.openxmlformats.org/officeDocument/2006/relationships" xmlns:p="http://schemas.openxmlformats.org/presentationml/2006/main">
   <p:cSld>
     <p:spTree>
@@ -8827,177 +7011,7 @@
 </p:sld>
 </file>
 
-<file path=ppt/slides/slide7.xml><?xml version="1.0" encoding="utf-8"?>
-<p:sld xmlns:a="http://schemas.openxmlformats.org/drawingml/2006/main" xmlns:r="http://schemas.openxmlformats.org/officeDocument/2006/relationships" xmlns:p="http://schemas.openxmlformats.org/presentationml/2006/main">
-  <p:cSld>
-    <p:spTree>
-      <p:nvGrpSpPr>
-        <p:cNvPr id="1" name=""/>
-        <p:cNvGrpSpPr/>
-        <p:nvPr/>
-      </p:nvGrpSpPr>
-      <p:grpSpPr>
-        <a:xfrm>
-          <a:off x="0" y="0"/>
-          <a:ext cx="0" cy="0"/>
-          <a:chOff x="0" y="0"/>
-          <a:chExt cx="0" cy="0"/>
-        </a:xfrm>
-      </p:grpSpPr>
-      <p:sp>
-        <p:nvSpPr>
-          <p:cNvPr id="2" name="Title 2"/>
-          <p:cNvSpPr txBox="1">
-            <a:spLocks/>
-          </p:cNvSpPr>
-          <p:nvPr/>
-        </p:nvSpPr>
-        <p:spPr>
-          <a:xfrm>
-            <a:off x="612456" y="453943"/>
-            <a:ext cx="8006354" cy="712249"/>
-          </a:xfrm>
-          <a:prstGeom prst="rect">
-            <a:avLst/>
-          </a:prstGeom>
-        </p:spPr>
-        <p:txBody>
-          <a:bodyPr>
-            <a:noAutofit/>
-          </a:bodyPr>
-          <a:lstStyle>
-            <a:lvl1pPr algn="l" defTabSz="914400" rtl="0" eaLnBrk="1" latinLnBrk="0" hangingPunct="1">
-              <a:lnSpc>
-                <a:spcPct val="90000"/>
-              </a:lnSpc>
-              <a:spcBef>
-                <a:spcPct val="0"/>
-              </a:spcBef>
-              <a:buNone/>
-              <a:defRPr sz="4400" kern="1200">
-                <a:solidFill>
-                  <a:schemeClr val="tx1"/>
-                </a:solidFill>
-                <a:latin typeface="+mj-lt"/>
-                <a:ea typeface="+mj-ea"/>
-                <a:cs typeface="+mj-cs"/>
-              </a:defRPr>
-            </a:lvl1pPr>
-          </a:lstStyle>
-          <a:p>
-            <a:r>
-              <a:rPr lang="en-US" sz="6600" dirty="0"/>
-              <a:t>Rock-Paper-Scissors</a:t>
-            </a:r>
-          </a:p>
-          <a:p>
-            <a:endParaRPr lang="en-US" sz="6600" dirty="0">
-              <a:effectLst>
-                <a:outerShdw blurRad="50800" dist="38100" dir="10800000" algn="r" rotWithShape="0">
-                  <a:prstClr val="black">
-                    <a:alpha val="40000"/>
-                  </a:prstClr>
-                </a:outerShdw>
-              </a:effectLst>
-            </a:endParaRPr>
-          </a:p>
-        </p:txBody>
-      </p:sp>
-      <p:sp>
-        <p:nvSpPr>
-          <p:cNvPr id="5" name="TextBox 4"/>
-          <p:cNvSpPr txBox="1"/>
-          <p:nvPr/>
-        </p:nvSpPr>
-        <p:spPr>
-          <a:xfrm>
-            <a:off x="612456" y="1497197"/>
-            <a:ext cx="4619111" cy="2062103"/>
-          </a:xfrm>
-          <a:prstGeom prst="rect">
-            <a:avLst/>
-          </a:prstGeom>
-          <a:noFill/>
-        </p:spPr>
-        <p:txBody>
-          <a:bodyPr wrap="square" rtlCol="0">
-            <a:spAutoFit/>
-          </a:bodyPr>
-          <a:lstStyle/>
-          <a:p>
-            <a:pPr marL="457200" indent="-457200">
-              <a:buFont typeface="Arial" panose="020B0604020202020204" pitchFamily="34" charset="0"/>
-              <a:buChar char="•"/>
-            </a:pPr>
-            <a:r>
-              <a:rPr lang="en-US" sz="3200" dirty="0"/>
-              <a:t>Build the classic rock-paper-scissors game to play against your friends</a:t>
-            </a:r>
-          </a:p>
-        </p:txBody>
-      </p:sp>
-      <p:pic>
-        <p:nvPicPr>
-          <p:cNvPr id="4" name="Picture 3">
-            <a:extLst>
-              <a:ext uri="{FF2B5EF4-FFF2-40B4-BE49-F238E27FC236}">
-                <a16:creationId xmlns:a16="http://schemas.microsoft.com/office/drawing/2014/main" id="{1DC3DCC0-8B39-DC48-AE5B-8846C6A5DBAB}"/>
-              </a:ext>
-            </a:extLst>
-          </p:cNvPr>
-          <p:cNvPicPr>
-            <a:picLocks noChangeAspect="1"/>
-          </p:cNvPicPr>
-          <p:nvPr/>
-        </p:nvPicPr>
-        <p:blipFill>
-          <a:blip r:embed="rId3">
-            <a:extLst>
-              <a:ext uri="{28A0092B-C50C-407E-A947-70E740481C1C}">
-                <a14:useLocalDpi xmlns:a14="http://schemas.microsoft.com/office/drawing/2010/main" val="0"/>
-              </a:ext>
-            </a:extLst>
-          </a:blip>
-          <a:stretch>
-            <a:fillRect/>
-          </a:stretch>
-        </p:blipFill>
-        <p:spPr>
-          <a:xfrm>
-            <a:off x="5394585" y="1497197"/>
-            <a:ext cx="6222791" cy="5159066"/>
-          </a:xfrm>
-          <a:prstGeom prst="rect">
-            <a:avLst/>
-          </a:prstGeom>
-        </p:spPr>
-      </p:pic>
-    </p:spTree>
-    <p:extLst>
-      <p:ext uri="{BB962C8B-B14F-4D97-AF65-F5344CB8AC3E}">
-        <p14:creationId xmlns:p14="http://schemas.microsoft.com/office/powerpoint/2010/main" val="2141108405"/>
-      </p:ext>
-    </p:extLst>
-  </p:cSld>
-  <p:clrMapOvr>
-    <a:masterClrMapping/>
-  </p:clrMapOvr>
-  <mc:AlternateContent xmlns:mc="http://schemas.openxmlformats.org/markup-compatibility/2006" xmlns:p14="http://schemas.microsoft.com/office/powerpoint/2010/main">
-    <mc:Choice Requires="p14">
-      <p:transition spd="slow" p14:dur="3400">
-        <p14:reveal/>
-      </p:transition>
-    </mc:Choice>
-    <mc:Fallback xmlns="">
-      <p:transition spd="slow">
-        <p:fade/>
-      </p:transition>
-    </mc:Fallback>
-  </mc:AlternateContent>
-</p:sld>
-</file>
-
-<file path=ppt/slides/slide8.xml><?xml version="1.0" encoding="utf-8"?>
+<file path=ppt/slides/slide5.xml><?xml version="1.0" encoding="utf-8"?>
 <p:sld xmlns:a="http://schemas.openxmlformats.org/drawingml/2006/main" xmlns:r="http://schemas.openxmlformats.org/officeDocument/2006/relationships" xmlns:p="http://schemas.openxmlformats.org/presentationml/2006/main">
   <p:cSld>
     <p:spTree>
@@ -9677,164 +7691,6 @@
       <p:bldP spid="11" grpId="0" animBg="1"/>
     </p:bldLst>
   </p:timing>
-</p:sld>
-</file>
-
-<file path=ppt/slides/slide9.xml><?xml version="1.0" encoding="utf-8"?>
-<p:sld xmlns:a="http://schemas.openxmlformats.org/drawingml/2006/main" xmlns:r="http://schemas.openxmlformats.org/officeDocument/2006/relationships" xmlns:p="http://schemas.openxmlformats.org/presentationml/2006/main">
-  <p:cSld>
-    <p:spTree>
-      <p:nvGrpSpPr>
-        <p:cNvPr id="1" name=""/>
-        <p:cNvGrpSpPr/>
-        <p:nvPr/>
-      </p:nvGrpSpPr>
-      <p:grpSpPr>
-        <a:xfrm>
-          <a:off x="0" y="0"/>
-          <a:ext cx="0" cy="0"/>
-          <a:chOff x="0" y="0"/>
-          <a:chExt cx="0" cy="0"/>
-        </a:xfrm>
-      </p:grpSpPr>
-      <p:sp>
-        <p:nvSpPr>
-          <p:cNvPr id="6" name="Title 2"/>
-          <p:cNvSpPr txBox="1">
-            <a:spLocks/>
-          </p:cNvSpPr>
-          <p:nvPr/>
-        </p:nvSpPr>
-        <p:spPr>
-          <a:xfrm>
-            <a:off x="701907" y="453943"/>
-            <a:ext cx="9237223" cy="1374856"/>
-          </a:xfrm>
-          <a:prstGeom prst="rect">
-            <a:avLst/>
-          </a:prstGeom>
-        </p:spPr>
-        <p:txBody>
-          <a:bodyPr>
-            <a:noAutofit/>
-          </a:bodyPr>
-          <a:lstStyle>
-            <a:lvl1pPr algn="l" defTabSz="914400" rtl="0" eaLnBrk="1" latinLnBrk="0" hangingPunct="1">
-              <a:lnSpc>
-                <a:spcPct val="90000"/>
-              </a:lnSpc>
-              <a:spcBef>
-                <a:spcPct val="0"/>
-              </a:spcBef>
-              <a:buNone/>
-              <a:defRPr sz="4400" kern="1200">
-                <a:solidFill>
-                  <a:schemeClr val="tx1"/>
-                </a:solidFill>
-                <a:latin typeface="+mj-lt"/>
-                <a:ea typeface="+mj-ea"/>
-                <a:cs typeface="+mj-cs"/>
-              </a:defRPr>
-            </a:lvl1pPr>
-          </a:lstStyle>
-          <a:p>
-            <a:r>
-              <a:rPr lang="en-US" sz="6600" dirty="0">
-                <a:effectLst>
-                  <a:outerShdw blurRad="50800" dist="38100" dir="10800000" algn="r" rotWithShape="0">
-                    <a:prstClr val="black">
-                      <a:alpha val="40000"/>
-                    </a:prstClr>
-                  </a:outerShdw>
-                </a:effectLst>
-              </a:rPr>
-              <a:t>Keep Coding!</a:t>
-            </a:r>
-          </a:p>
-        </p:txBody>
-      </p:sp>
-      <p:sp>
-        <p:nvSpPr>
-          <p:cNvPr id="7" name="TextBox 6"/>
-          <p:cNvSpPr txBox="1"/>
-          <p:nvPr/>
-        </p:nvSpPr>
-        <p:spPr>
-          <a:xfrm>
-            <a:off x="701907" y="1755614"/>
-            <a:ext cx="8459789" cy="3539430"/>
-          </a:xfrm>
-          <a:prstGeom prst="rect">
-            <a:avLst/>
-          </a:prstGeom>
-          <a:noFill/>
-        </p:spPr>
-        <p:txBody>
-          <a:bodyPr wrap="square" rtlCol="0">
-            <a:spAutoFit/>
-          </a:bodyPr>
-          <a:lstStyle/>
-          <a:p>
-            <a:r>
-              <a:rPr lang="en-US" sz="3200" dirty="0"/>
-              <a:t>1.) You get to keep your </a:t>
-            </a:r>
-            <a:r>
-              <a:rPr lang="en-US" sz="3200" dirty="0" err="1"/>
-              <a:t>micro:bits</a:t>
-            </a:r>
-            <a:endParaRPr lang="en-US" sz="3200" dirty="0"/>
-          </a:p>
-          <a:p>
-            <a:endParaRPr lang="en-US" sz="3200" dirty="0"/>
-          </a:p>
-          <a:p>
-            <a:r>
-              <a:rPr lang="en-US" sz="3200" dirty="0"/>
-              <a:t>2.) Use the learning resources available on microbit.org</a:t>
-            </a:r>
-          </a:p>
-          <a:p>
-            <a:endParaRPr lang="en-US" sz="3200" dirty="0"/>
-          </a:p>
-          <a:p>
-            <a:r>
-              <a:rPr lang="en-US" sz="3200" dirty="0"/>
-              <a:t>3.) Be creative, explore, and try new things with your </a:t>
-            </a:r>
-            <a:r>
-              <a:rPr lang="en-US" sz="3200" dirty="0" err="1"/>
-              <a:t>micro:bit</a:t>
-            </a:r>
-            <a:r>
-              <a:rPr lang="en-US" sz="3200" dirty="0"/>
-              <a:t> – the possibilities are endless!</a:t>
-            </a:r>
-          </a:p>
-        </p:txBody>
-      </p:sp>
-    </p:spTree>
-    <p:extLst>
-      <p:ext uri="{BB962C8B-B14F-4D97-AF65-F5344CB8AC3E}">
-        <p14:creationId xmlns:p14="http://schemas.microsoft.com/office/powerpoint/2010/main" val="4225692966"/>
-      </p:ext>
-    </p:extLst>
-  </p:cSld>
-  <p:clrMapOvr>
-    <a:masterClrMapping/>
-  </p:clrMapOvr>
-  <mc:AlternateContent xmlns:mc="http://schemas.openxmlformats.org/markup-compatibility/2006" xmlns:p14="http://schemas.microsoft.com/office/powerpoint/2010/main">
-    <mc:Choice Requires="p14">
-      <p:transition spd="slow" p14:dur="3400">
-        <p14:reveal/>
-      </p:transition>
-    </mc:Choice>
-    <mc:Fallback xmlns="">
-      <p:transition spd="slow">
-        <p:fade/>
-      </p:transition>
-    </mc:Fallback>
-  </mc:AlternateContent>
 </p:sld>
 </file>
 
